--- a/Microsoft Studio Analysis.pptx
+++ b/Microsoft Studio Analysis.pptx
@@ -12,7 +12,9 @@
     <p:sldId id="260" r:id="rId6"/>
     <p:sldId id="261" r:id="rId7"/>
     <p:sldId id="262" r:id="rId8"/>
-    <p:sldId id="263" r:id="rId9"/>
+    <p:sldId id="264" r:id="rId9"/>
+    <p:sldId id="265" r:id="rId10"/>
+    <p:sldId id="263" r:id="rId11"/>
   </p:sldIdLst>
   <p:sldSz cx="12192000" cy="6858000"/>
   <p:notesSz cx="6858000" cy="9144000"/>
@@ -111,6 +113,11 @@
       </a:defRPr>
     </a:lvl9pPr>
   </p:defaultTextStyle>
+  <p:extLst>
+    <p:ext uri="{EFAFB233-063F-42B5-8137-9DF3F51BA10A}">
+      <p15:sldGuideLst xmlns:p15="http://schemas.microsoft.com/office/powerpoint/2012/main"/>
+    </p:ext>
+  </p:extLst>
 </p:presentation>
 </file>
 
@@ -4130,6 +4137,69 @@
 </p:sld>
 </file>
 
+<file path=ppt/slides/slide10.xml><?xml version="1.0" encoding="utf-8"?>
+<p:sld xmlns:a="http://schemas.openxmlformats.org/drawingml/2006/main" xmlns:r="http://schemas.openxmlformats.org/officeDocument/2006/relationships" xmlns:p="http://schemas.openxmlformats.org/presentationml/2006/main">
+  <p:cSld>
+    <p:spTree>
+      <p:nvGrpSpPr>
+        <p:cNvPr id="1" name=""/>
+        <p:cNvGrpSpPr/>
+        <p:nvPr/>
+      </p:nvGrpSpPr>
+      <p:grpSpPr>
+        <a:xfrm>
+          <a:off x="0" y="0"/>
+          <a:ext cx="0" cy="0"/>
+          <a:chOff x="0" y="0"/>
+          <a:chExt cx="0" cy="0"/>
+        </a:xfrm>
+      </p:grpSpPr>
+      <p:sp>
+        <p:nvSpPr>
+          <p:cNvPr id="2" name="Title 1">
+            <a:extLst>
+              <a:ext uri="{FF2B5EF4-FFF2-40B4-BE49-F238E27FC236}">
+                <a16:creationId xmlns:a16="http://schemas.microsoft.com/office/drawing/2014/main" id="{645DB37B-C0B5-B77E-C231-FE083428EB76}"/>
+              </a:ext>
+            </a:extLst>
+          </p:cNvPr>
+          <p:cNvSpPr>
+            <a:spLocks noGrp="1"/>
+          </p:cNvSpPr>
+          <p:nvPr>
+            <p:ph type="title"/>
+          </p:nvPr>
+        </p:nvSpPr>
+        <p:spPr>
+          <a:xfrm>
+            <a:off x="1225617" y="1978243"/>
+            <a:ext cx="10058400" cy="1450757"/>
+          </a:xfrm>
+        </p:spPr>
+        <p:txBody>
+          <a:bodyPr/>
+          <a:lstStyle/>
+          <a:p>
+            <a:r>
+              <a:rPr lang="en-US" dirty="0"/>
+              <a:t>Thank You!</a:t>
+            </a:r>
+          </a:p>
+        </p:txBody>
+      </p:sp>
+    </p:spTree>
+    <p:extLst>
+      <p:ext uri="{BB962C8B-B14F-4D97-AF65-F5344CB8AC3E}">
+        <p14:creationId xmlns:p14="http://schemas.microsoft.com/office/powerpoint/2010/main" val="3358721067"/>
+      </p:ext>
+    </p:extLst>
+  </p:cSld>
+  <p:clrMapOvr>
+    <a:masterClrMapping/>
+  </p:clrMapOvr>
+</p:sld>
+</file>
+
 <file path=ppt/slides/slide2.xml><?xml version="1.0" encoding="utf-8"?>
 <p:sld xmlns:a="http://schemas.openxmlformats.org/drawingml/2006/main" xmlns:r="http://schemas.openxmlformats.org/officeDocument/2006/relationships" xmlns:p="http://schemas.openxmlformats.org/presentationml/2006/main">
   <p:cSld>
@@ -4170,7 +4240,7 @@
           <a:p>
             <a:r>
               <a:rPr lang="en-US" dirty="0"/>
-              <a:t>Summary</a:t>
+              <a:t>Business Background</a:t>
             </a:r>
           </a:p>
         </p:txBody>
@@ -4196,7 +4266,34 @@
           <a:bodyPr/>
           <a:lstStyle/>
           <a:p>
-            <a:endParaRPr lang="en-US" dirty="0"/>
+            <a:pPr>
+              <a:buFont typeface="Wingdings" panose="05000000000000000000" pitchFamily="2" charset="2"/>
+              <a:buChar char="§"/>
+            </a:pPr>
+            <a:r>
+              <a:rPr lang="en-US" dirty="0"/>
+              <a:t> Know the effective start budget</a:t>
+            </a:r>
+          </a:p>
+          <a:p>
+            <a:pPr>
+              <a:buFont typeface="Wingdings" panose="05000000000000000000" pitchFamily="2" charset="2"/>
+              <a:buChar char="§"/>
+            </a:pPr>
+            <a:r>
+              <a:rPr lang="en-US" dirty="0"/>
+              <a:t> Find the target audience genre</a:t>
+            </a:r>
+          </a:p>
+          <a:p>
+            <a:pPr>
+              <a:buFont typeface="Wingdings" panose="05000000000000000000" pitchFamily="2" charset="2"/>
+              <a:buChar char="§"/>
+            </a:pPr>
+            <a:r>
+              <a:rPr lang="en-US" dirty="0"/>
+              <a:t> Find the movie popularity standard</a:t>
+            </a:r>
           </a:p>
         </p:txBody>
       </p:sp>
@@ -4373,7 +4470,7 @@
           <a:p>
             <a:r>
               <a:rPr lang="en-US" dirty="0"/>
-              <a:t>Business Problem</a:t>
+              <a:t>Problem Statement</a:t>
             </a:r>
           </a:p>
         </p:txBody>
@@ -4483,7 +4580,7 @@
           <a:p>
             <a:r>
               <a:rPr lang="en-US" dirty="0"/>
-              <a:t>Data</a:t>
+              <a:t>Solution</a:t>
             </a:r>
           </a:p>
         </p:txBody>
@@ -4566,7 +4663,7 @@
           <a:p>
             <a:r>
               <a:rPr lang="en-US" dirty="0"/>
-              <a:t>Results</a:t>
+              <a:t>MVP</a:t>
             </a:r>
           </a:p>
         </p:txBody>
@@ -4649,7 +4746,7 @@
           <a:p>
             <a:r>
               <a:rPr lang="en-US" dirty="0"/>
-              <a:t>Conclusions</a:t>
+              <a:t>Development Process</a:t>
             </a:r>
           </a:p>
         </p:txBody>
@@ -4714,7 +4811,7 @@
           <p:cNvPr id="2" name="Title 1">
             <a:extLst>
               <a:ext uri="{FF2B5EF4-FFF2-40B4-BE49-F238E27FC236}">
-                <a16:creationId xmlns:a16="http://schemas.microsoft.com/office/drawing/2014/main" id="{645DB37B-C0B5-B77E-C231-FE083428EB76}"/>
+                <a16:creationId xmlns:a16="http://schemas.microsoft.com/office/drawing/2014/main" id="{EBBE5AFA-BCCC-264A-57C3-4B1C43413010}"/>
               </a:ext>
             </a:extLst>
           </p:cNvPr>
@@ -4725,27 +4822,134 @@
             <p:ph type="title"/>
           </p:nvPr>
         </p:nvSpPr>
-        <p:spPr>
-          <a:xfrm>
-            <a:off x="1225617" y="1978243"/>
-            <a:ext cx="10058400" cy="1450757"/>
-          </a:xfrm>
-        </p:spPr>
+        <p:spPr/>
         <p:txBody>
           <a:bodyPr/>
           <a:lstStyle/>
           <a:p>
             <a:r>
               <a:rPr lang="en-US" dirty="0"/>
-              <a:t>Thank You!</a:t>
-            </a:r>
+              <a:t>Technologies used</a:t>
+            </a:r>
+          </a:p>
+        </p:txBody>
+      </p:sp>
+      <p:sp>
+        <p:nvSpPr>
+          <p:cNvPr id="3" name="Content Placeholder 2">
+            <a:extLst>
+              <a:ext uri="{FF2B5EF4-FFF2-40B4-BE49-F238E27FC236}">
+                <a16:creationId xmlns:a16="http://schemas.microsoft.com/office/drawing/2014/main" id="{308889E4-6DC6-1B39-BA89-CE61CC3942C5}"/>
+              </a:ext>
+            </a:extLst>
+          </p:cNvPr>
+          <p:cNvSpPr>
+            <a:spLocks noGrp="1"/>
+          </p:cNvSpPr>
+          <p:nvPr>
+            <p:ph idx="1"/>
+          </p:nvPr>
+        </p:nvSpPr>
+        <p:spPr/>
+        <p:txBody>
+          <a:bodyPr/>
+          <a:lstStyle/>
+          <a:p>
+            <a:endParaRPr lang="en-US"/>
           </a:p>
         </p:txBody>
       </p:sp>
     </p:spTree>
     <p:extLst>
       <p:ext uri="{BB962C8B-B14F-4D97-AF65-F5344CB8AC3E}">
-        <p14:creationId xmlns:p14="http://schemas.microsoft.com/office/powerpoint/2010/main" val="3358721067"/>
+        <p14:creationId xmlns:p14="http://schemas.microsoft.com/office/powerpoint/2010/main" val="4181483353"/>
+      </p:ext>
+    </p:extLst>
+  </p:cSld>
+  <p:clrMapOvr>
+    <a:masterClrMapping/>
+  </p:clrMapOvr>
+</p:sld>
+</file>
+
+<file path=ppt/slides/slide9.xml><?xml version="1.0" encoding="utf-8"?>
+<p:sld xmlns:a="http://schemas.openxmlformats.org/drawingml/2006/main" xmlns:r="http://schemas.openxmlformats.org/officeDocument/2006/relationships" xmlns:p="http://schemas.openxmlformats.org/presentationml/2006/main">
+  <p:cSld>
+    <p:spTree>
+      <p:nvGrpSpPr>
+        <p:cNvPr id="1" name=""/>
+        <p:cNvGrpSpPr/>
+        <p:nvPr/>
+      </p:nvGrpSpPr>
+      <p:grpSpPr>
+        <a:xfrm>
+          <a:off x="0" y="0"/>
+          <a:ext cx="0" cy="0"/>
+          <a:chOff x="0" y="0"/>
+          <a:chExt cx="0" cy="0"/>
+        </a:xfrm>
+      </p:grpSpPr>
+      <p:sp>
+        <p:nvSpPr>
+          <p:cNvPr id="2" name="Title 1">
+            <a:extLst>
+              <a:ext uri="{FF2B5EF4-FFF2-40B4-BE49-F238E27FC236}">
+                <a16:creationId xmlns:a16="http://schemas.microsoft.com/office/drawing/2014/main" id="{20D1962E-E17D-352D-A301-319BCAA196D0}"/>
+              </a:ext>
+            </a:extLst>
+          </p:cNvPr>
+          <p:cNvSpPr>
+            <a:spLocks noGrp="1"/>
+          </p:cNvSpPr>
+          <p:nvPr>
+            <p:ph type="title"/>
+          </p:nvPr>
+        </p:nvSpPr>
+        <p:spPr/>
+        <p:txBody>
+          <a:bodyPr/>
+          <a:lstStyle/>
+          <a:p>
+            <a:r>
+              <a:rPr lang="en-US" dirty="0"/>
+              <a:t>Conclusion </a:t>
+            </a:r>
+            <a:r>
+              <a:rPr lang="en-US"/>
+              <a:t>and Recommendation</a:t>
+            </a:r>
+          </a:p>
+        </p:txBody>
+      </p:sp>
+      <p:sp>
+        <p:nvSpPr>
+          <p:cNvPr id="3" name="Content Placeholder 2">
+            <a:extLst>
+              <a:ext uri="{FF2B5EF4-FFF2-40B4-BE49-F238E27FC236}">
+                <a16:creationId xmlns:a16="http://schemas.microsoft.com/office/drawing/2014/main" id="{5819A9CB-4819-66B9-08FD-E5565EE3152F}"/>
+              </a:ext>
+            </a:extLst>
+          </p:cNvPr>
+          <p:cNvSpPr>
+            <a:spLocks noGrp="1"/>
+          </p:cNvSpPr>
+          <p:nvPr>
+            <p:ph idx="1"/>
+          </p:nvPr>
+        </p:nvSpPr>
+        <p:spPr/>
+        <p:txBody>
+          <a:bodyPr/>
+          <a:lstStyle/>
+          <a:p>
+            <a:endParaRPr lang="en-US"/>
+          </a:p>
+        </p:txBody>
+      </p:sp>
+    </p:spTree>
+    <p:extLst>
+      <p:ext uri="{BB962C8B-B14F-4D97-AF65-F5344CB8AC3E}">
+        <p14:creationId xmlns:p14="http://schemas.microsoft.com/office/powerpoint/2010/main" val="2178007499"/>
       </p:ext>
     </p:extLst>
   </p:cSld>

--- a/Microsoft Studio Analysis.pptx
+++ b/Microsoft Studio Analysis.pptx
@@ -6,15 +6,17 @@
   </p:sldMasterIdLst>
   <p:sldIdLst>
     <p:sldId id="256" r:id="rId2"/>
-    <p:sldId id="257" r:id="rId3"/>
-    <p:sldId id="258" r:id="rId4"/>
-    <p:sldId id="259" r:id="rId5"/>
-    <p:sldId id="260" r:id="rId6"/>
-    <p:sldId id="261" r:id="rId7"/>
-    <p:sldId id="262" r:id="rId8"/>
-    <p:sldId id="264" r:id="rId9"/>
-    <p:sldId id="265" r:id="rId10"/>
-    <p:sldId id="263" r:id="rId11"/>
+    <p:sldId id="259" r:id="rId3"/>
+    <p:sldId id="260" r:id="rId4"/>
+    <p:sldId id="261" r:id="rId5"/>
+    <p:sldId id="262" r:id="rId6"/>
+    <p:sldId id="266" r:id="rId7"/>
+    <p:sldId id="267" r:id="rId8"/>
+    <p:sldId id="268" r:id="rId9"/>
+    <p:sldId id="269" r:id="rId10"/>
+    <p:sldId id="271" r:id="rId11"/>
+    <p:sldId id="270" r:id="rId12"/>
+    <p:sldId id="263" r:id="rId13"/>
   </p:sldIdLst>
   <p:sldSz cx="12192000" cy="6858000"/>
   <p:notesSz cx="6858000" cy="9144000"/>
@@ -3774,10 +3776,10 @@
       </p:grpSpPr>
       <p:sp>
         <p:nvSpPr>
-          <p:cNvPr id="9" name="Rectangle 8">
-            <a:extLst>
-              <a:ext uri="{FF2B5EF4-FFF2-40B4-BE49-F238E27FC236}">
-                <a16:creationId xmlns:a16="http://schemas.microsoft.com/office/drawing/2014/main" id="{2FDF0794-1B86-42B2-B8C7-F60123E638ED}"/>
+          <p:cNvPr id="20" name="Rectangle 19">
+            <a:extLst>
+              <a:ext uri="{FF2B5EF4-FFF2-40B4-BE49-F238E27FC236}">
+                <a16:creationId xmlns:a16="http://schemas.microsoft.com/office/drawing/2014/main" id="{6482F060-A4AF-4E0B-B364-7C6BA4AE9C03}"/>
               </a:ext>
               <a:ext uri="{C183D7F6-B498-43B3-948B-1728B52AA6E4}">
                 <adec:decorative xmlns:adec="http://schemas.microsoft.com/office/drawing/2017/decorative" val="1"/>
@@ -3795,16 +3797,16 @@
             </p:extLst>
           </p:nvPr>
         </p:nvSpPr>
-        <p:spPr>
-          <a:xfrm>
-            <a:off x="3274" y="0"/>
-            <a:ext cx="12188726" cy="6858975"/>
+        <p:spPr bwMode="white">
+          <a:xfrm>
+            <a:off x="-6220" y="0"/>
+            <a:ext cx="4641315" cy="6858000"/>
           </a:xfrm>
           <a:prstGeom prst="rect">
             <a:avLst/>
           </a:prstGeom>
           <a:solidFill>
-            <a:schemeClr val="bg1"/>
+            <a:srgbClr val="262626"/>
           </a:solidFill>
           <a:ln>
             <a:noFill/>
@@ -3826,15 +3828,147 @@
             <a:schemeClr val="lt1"/>
           </a:fontRef>
         </p:style>
-        <p:txBody>
-          <a:bodyPr rtlCol="0" anchor="ctr"/>
+      </p:sp>
+      <p:sp>
+        <p:nvSpPr>
+          <p:cNvPr id="2" name="Title 1">
+            <a:extLst>
+              <a:ext uri="{FF2B5EF4-FFF2-40B4-BE49-F238E27FC236}">
+                <a16:creationId xmlns:a16="http://schemas.microsoft.com/office/drawing/2014/main" id="{4CF1FF12-78BB-3995-3BF5-08BB29C7E06F}"/>
+              </a:ext>
+            </a:extLst>
+          </p:cNvPr>
+          <p:cNvSpPr>
+            <a:spLocks noGrp="1"/>
+          </p:cNvSpPr>
+          <p:nvPr>
+            <p:ph type="ctrTitle"/>
+          </p:nvPr>
+        </p:nvSpPr>
+        <p:spPr>
+          <a:xfrm>
+            <a:off x="484814" y="640080"/>
+            <a:ext cx="3659246" cy="2850319"/>
+          </a:xfrm>
+        </p:spPr>
+        <p:txBody>
+          <a:bodyPr>
+            <a:normAutofit/>
+          </a:bodyPr>
           <a:lstStyle/>
           <a:p>
-            <a:pPr algn="ctr"/>
-            <a:endParaRPr lang="en-US"/>
-          </a:p>
-        </p:txBody>
-      </p:sp>
+            <a:r>
+              <a:rPr lang="en-US" sz="5400">
+                <a:solidFill>
+                  <a:srgbClr val="FFFFFF"/>
+                </a:solidFill>
+              </a:rPr>
+              <a:t>Microsoft Studio Analysis</a:t>
+            </a:r>
+          </a:p>
+        </p:txBody>
+      </p:sp>
+      <p:sp>
+        <p:nvSpPr>
+          <p:cNvPr id="3" name="Subtitle 2">
+            <a:extLst>
+              <a:ext uri="{FF2B5EF4-FFF2-40B4-BE49-F238E27FC236}">
+                <a16:creationId xmlns:a16="http://schemas.microsoft.com/office/drawing/2014/main" id="{5A4CBDCA-233F-61F7-6A3D-4C50F30F0003}"/>
+              </a:ext>
+            </a:extLst>
+          </p:cNvPr>
+          <p:cNvSpPr>
+            <a:spLocks noGrp="1"/>
+          </p:cNvSpPr>
+          <p:nvPr>
+            <p:ph type="subTitle" idx="1"/>
+          </p:nvPr>
+        </p:nvSpPr>
+        <p:spPr>
+          <a:xfrm>
+            <a:off x="484814" y="3812134"/>
+            <a:ext cx="3659246" cy="2349823"/>
+          </a:xfrm>
+        </p:spPr>
+        <p:txBody>
+          <a:bodyPr>
+            <a:normAutofit/>
+          </a:bodyPr>
+          <a:lstStyle/>
+          <a:p>
+            <a:r>
+              <a:rPr lang="en-US" sz="1800">
+                <a:solidFill>
+                  <a:srgbClr val="FFFFFF"/>
+                </a:solidFill>
+              </a:rPr>
+              <a:t>Nicholus Magak</a:t>
+            </a:r>
+          </a:p>
+          <a:p>
+            <a:r>
+              <a:rPr lang="en-US" sz="1800">
+                <a:solidFill>
+                  <a:srgbClr val="FFFFFF"/>
+                </a:solidFill>
+              </a:rPr>
+              <a:t>November 10, 2020</a:t>
+            </a:r>
+          </a:p>
+        </p:txBody>
+      </p:sp>
+      <p:cxnSp>
+        <p:nvCxnSpPr>
+          <p:cNvPr id="22" name="Straight Connector 21">
+            <a:extLst>
+              <a:ext uri="{FF2B5EF4-FFF2-40B4-BE49-F238E27FC236}">
+                <a16:creationId xmlns:a16="http://schemas.microsoft.com/office/drawing/2014/main" id="{B9EB6DAA-2F0C-43D5-A577-15D5D2C4E3F5}"/>
+              </a:ext>
+              <a:ext uri="{C183D7F6-B498-43B3-948B-1728B52AA6E4}">
+                <adec:decorative xmlns:adec="http://schemas.microsoft.com/office/drawing/2017/decorative" val="1"/>
+              </a:ext>
+            </a:extLst>
+          </p:cNvPr>
+          <p:cNvCxnSpPr>
+            <a:cxnSpLocks noGrp="1" noRot="1" noChangeAspect="1" noMove="1" noResize="1" noEditPoints="1" noAdjustHandles="1" noChangeArrowheads="1" noChangeShapeType="1"/>
+          </p:cNvCxnSpPr>
+          <p:nvPr>
+            <p:extLst>
+              <p:ext uri="{386F3935-93C4-4BCD-93E2-E3B085C9AB24}">
+                <p16:designElem xmlns:p16="http://schemas.microsoft.com/office/powerpoint/2015/main" val="1"/>
+              </p:ext>
+            </p:extLst>
+          </p:nvPr>
+        </p:nvCxnSpPr>
+        <p:spPr>
+          <a:xfrm>
+            <a:off x="622797" y="3651268"/>
+            <a:ext cx="3383280" cy="0"/>
+          </a:xfrm>
+          <a:prstGeom prst="line">
+            <a:avLst/>
+          </a:prstGeom>
+          <a:ln w="19050">
+            <a:solidFill>
+              <a:schemeClr val="accent1"/>
+            </a:solidFill>
+          </a:ln>
+        </p:spPr>
+        <p:style>
+          <a:lnRef idx="1">
+            <a:schemeClr val="accent1"/>
+          </a:lnRef>
+          <a:fillRef idx="0">
+            <a:schemeClr val="accent1"/>
+          </a:fillRef>
+          <a:effectRef idx="0">
+            <a:schemeClr val="accent1"/>
+          </a:effectRef>
+          <a:fontRef idx="minor">
+            <a:schemeClr val="tx1"/>
+          </a:fontRef>
+        </p:style>
+      </p:cxnSp>
       <p:pic>
         <p:nvPicPr>
           <p:cNvPr id="4" name="Picture 3" descr="Triangular abstract background">
@@ -3851,279 +3985,19 @@
         </p:nvPicPr>
         <p:blipFill rotWithShape="1">
           <a:blip r:embed="rId2"/>
-          <a:srcRect t="15730"/>
+          <a:srcRect l="7767" r="18680" b="-1"/>
           <a:stretch/>
         </p:blipFill>
         <p:spPr>
           <a:xfrm>
-            <a:off x="20" y="975"/>
-            <a:ext cx="12191980" cy="6858000"/>
+            <a:off x="4635095" y="10"/>
+            <a:ext cx="7556889" cy="6857990"/>
           </a:xfrm>
           <a:prstGeom prst="rect">
             <a:avLst/>
           </a:prstGeom>
         </p:spPr>
       </p:pic>
-      <p:sp>
-        <p:nvSpPr>
-          <p:cNvPr id="11" name="Rectangle 10">
-            <a:extLst>
-              <a:ext uri="{FF2B5EF4-FFF2-40B4-BE49-F238E27FC236}">
-                <a16:creationId xmlns:a16="http://schemas.microsoft.com/office/drawing/2014/main" id="{C5373426-E26E-431D-959C-5DB96C0B6208}"/>
-              </a:ext>
-              <a:ext uri="{C183D7F6-B498-43B3-948B-1728B52AA6E4}">
-                <adec:decorative xmlns:adec="http://schemas.microsoft.com/office/drawing/2017/decorative" val="1"/>
-              </a:ext>
-            </a:extLst>
-          </p:cNvPr>
-          <p:cNvSpPr>
-            <a:spLocks noGrp="1" noRot="1" noChangeAspect="1" noMove="1" noResize="1" noEditPoints="1" noAdjustHandles="1" noChangeArrowheads="1" noChangeShapeType="1" noTextEdit="1"/>
-          </p:cNvSpPr>
-          <p:nvPr>
-            <p:extLst>
-              <p:ext uri="{386F3935-93C4-4BCD-93E2-E3B085C9AB24}">
-                <p16:designElem xmlns:p16="http://schemas.microsoft.com/office/powerpoint/2015/main" val="1"/>
-              </p:ext>
-            </p:extLst>
-          </p:nvPr>
-        </p:nvSpPr>
-        <p:spPr>
-          <a:xfrm>
-            <a:off x="643467" y="1238442"/>
-            <a:ext cx="3635926" cy="4355751"/>
-          </a:xfrm>
-          <a:prstGeom prst="rect">
-            <a:avLst/>
-          </a:prstGeom>
-          <a:solidFill>
-            <a:schemeClr val="bg1">
-              <a:alpha val="93000"/>
-            </a:schemeClr>
-          </a:solidFill>
-          <a:ln>
-            <a:noFill/>
-          </a:ln>
-        </p:spPr>
-        <p:style>
-          <a:lnRef idx="2">
-            <a:schemeClr val="accent1">
-              <a:shade val="50000"/>
-            </a:schemeClr>
-          </a:lnRef>
-          <a:fillRef idx="1">
-            <a:schemeClr val="accent1"/>
-          </a:fillRef>
-          <a:effectRef idx="0">
-            <a:schemeClr val="accent1"/>
-          </a:effectRef>
-          <a:fontRef idx="minor">
-            <a:schemeClr val="lt1"/>
-          </a:fontRef>
-        </p:style>
-        <p:txBody>
-          <a:bodyPr rtlCol="0" anchor="ctr"/>
-          <a:lstStyle/>
-          <a:p>
-            <a:pPr algn="ctr"/>
-            <a:endParaRPr lang="en-US"/>
-          </a:p>
-        </p:txBody>
-      </p:sp>
-      <p:sp>
-        <p:nvSpPr>
-          <p:cNvPr id="2" name="Title 1">
-            <a:extLst>
-              <a:ext uri="{FF2B5EF4-FFF2-40B4-BE49-F238E27FC236}">
-                <a16:creationId xmlns:a16="http://schemas.microsoft.com/office/drawing/2014/main" id="{4CF1FF12-78BB-3995-3BF5-08BB29C7E06F}"/>
-              </a:ext>
-            </a:extLst>
-          </p:cNvPr>
-          <p:cNvSpPr>
-            <a:spLocks noGrp="1"/>
-          </p:cNvSpPr>
-          <p:nvPr>
-            <p:ph type="ctrTitle"/>
-          </p:nvPr>
-        </p:nvSpPr>
-        <p:spPr>
-          <a:xfrm>
-            <a:off x="854277" y="1475234"/>
-            <a:ext cx="3214307" cy="2901694"/>
-          </a:xfrm>
-        </p:spPr>
-        <p:txBody>
-          <a:bodyPr anchor="b">
-            <a:normAutofit/>
-          </a:bodyPr>
-          <a:lstStyle/>
-          <a:p>
-            <a:r>
-              <a:rPr lang="en-US" sz="4400" dirty="0">
-                <a:solidFill>
-                  <a:schemeClr val="tx1"/>
-                </a:solidFill>
-              </a:rPr>
-              <a:t>Microsoft Studio Analysis</a:t>
-            </a:r>
-          </a:p>
-        </p:txBody>
-      </p:sp>
-      <p:sp>
-        <p:nvSpPr>
-          <p:cNvPr id="3" name="Subtitle 2">
-            <a:extLst>
-              <a:ext uri="{FF2B5EF4-FFF2-40B4-BE49-F238E27FC236}">
-                <a16:creationId xmlns:a16="http://schemas.microsoft.com/office/drawing/2014/main" id="{5A4CBDCA-233F-61F7-6A3D-4C50F30F0003}"/>
-              </a:ext>
-            </a:extLst>
-          </p:cNvPr>
-          <p:cNvSpPr>
-            <a:spLocks noGrp="1"/>
-          </p:cNvSpPr>
-          <p:nvPr>
-            <p:ph type="subTitle" idx="1"/>
-          </p:nvPr>
-        </p:nvSpPr>
-        <p:spPr>
-          <a:xfrm>
-            <a:off x="858610" y="4608576"/>
-            <a:ext cx="3205640" cy="774186"/>
-          </a:xfrm>
-        </p:spPr>
-        <p:txBody>
-          <a:bodyPr anchor="t">
-            <a:normAutofit fontScale="85000" lnSpcReduction="20000"/>
-          </a:bodyPr>
-          <a:lstStyle/>
-          <a:p>
-            <a:pPr algn="ctr"/>
-            <a:r>
-              <a:rPr lang="en-US" sz="2000" dirty="0"/>
-              <a:t>Nicholus Magak</a:t>
-            </a:r>
-          </a:p>
-          <a:p>
-            <a:pPr algn="ctr"/>
-            <a:r>
-              <a:rPr lang="en-US" sz="2000" dirty="0"/>
-              <a:t>November 10, 2020</a:t>
-            </a:r>
-          </a:p>
-        </p:txBody>
-      </p:sp>
-      <p:cxnSp>
-        <p:nvCxnSpPr>
-          <p:cNvPr id="13" name="!!Straight Connector">
-            <a:extLst>
-              <a:ext uri="{FF2B5EF4-FFF2-40B4-BE49-F238E27FC236}">
-                <a16:creationId xmlns:a16="http://schemas.microsoft.com/office/drawing/2014/main" id="{96D07482-83A3-4451-943C-B46961082957}"/>
-              </a:ext>
-              <a:ext uri="{C183D7F6-B498-43B3-948B-1728B52AA6E4}">
-                <adec:decorative xmlns:adec="http://schemas.microsoft.com/office/drawing/2017/decorative" val="1"/>
-              </a:ext>
-            </a:extLst>
-          </p:cNvPr>
-          <p:cNvCxnSpPr>
-            <a:cxnSpLocks noGrp="1" noRot="1" noChangeAspect="1" noMove="1" noResize="1" noEditPoints="1" noAdjustHandles="1" noChangeArrowheads="1" noChangeShapeType="1"/>
-          </p:cNvCxnSpPr>
-          <p:nvPr>
-            <p:extLst>
-              <p:ext uri="{386F3935-93C4-4BCD-93E2-E3B085C9AB24}">
-                <p16:designElem xmlns:p16="http://schemas.microsoft.com/office/powerpoint/2015/main" val="1"/>
-              </p:ext>
-            </p:extLst>
-          </p:nvPr>
-        </p:nvCxnSpPr>
-        <p:spPr>
-          <a:xfrm>
-            <a:off x="906950" y="4508519"/>
-            <a:ext cx="3108960" cy="0"/>
-          </a:xfrm>
-          <a:prstGeom prst="line">
-            <a:avLst/>
-          </a:prstGeom>
-          <a:ln w="12700">
-            <a:solidFill>
-              <a:schemeClr val="tx1">
-                <a:lumMod val="75000"/>
-                <a:lumOff val="25000"/>
-                <a:alpha val="90000"/>
-              </a:schemeClr>
-            </a:solidFill>
-          </a:ln>
-        </p:spPr>
-        <p:style>
-          <a:lnRef idx="1">
-            <a:schemeClr val="accent1"/>
-          </a:lnRef>
-          <a:fillRef idx="0">
-            <a:schemeClr val="accent1"/>
-          </a:fillRef>
-          <a:effectRef idx="0">
-            <a:schemeClr val="accent1"/>
-          </a:effectRef>
-          <a:fontRef idx="minor">
-            <a:schemeClr val="tx1"/>
-          </a:fontRef>
-        </p:style>
-      </p:cxnSp>
-      <p:sp>
-        <p:nvSpPr>
-          <p:cNvPr id="15" name="Rectangle 14">
-            <a:extLst>
-              <a:ext uri="{FF2B5EF4-FFF2-40B4-BE49-F238E27FC236}">
-                <a16:creationId xmlns:a16="http://schemas.microsoft.com/office/drawing/2014/main" id="{E239D8CC-16F4-4B2B-80F0-203C56D0D2DE}"/>
-              </a:ext>
-              <a:ext uri="{C183D7F6-B498-43B3-948B-1728B52AA6E4}">
-                <adec:decorative xmlns:adec="http://schemas.microsoft.com/office/drawing/2017/decorative" val="1"/>
-              </a:ext>
-            </a:extLst>
-          </p:cNvPr>
-          <p:cNvSpPr>
-            <a:spLocks noGrp="1" noRot="1" noChangeAspect="1" noMove="1" noResize="1" noEditPoints="1" noAdjustHandles="1" noChangeArrowheads="1" noChangeShapeType="1" noTextEdit="1"/>
-          </p:cNvSpPr>
-          <p:nvPr>
-            <p:extLst>
-              <p:ext uri="{386F3935-93C4-4BCD-93E2-E3B085C9AB24}">
-                <p16:designElem xmlns:p16="http://schemas.microsoft.com/office/powerpoint/2015/main" val="1"/>
-              </p:ext>
-            </p:extLst>
-          </p:nvPr>
-        </p:nvSpPr>
-        <p:spPr>
-          <a:xfrm>
-            <a:off x="1" y="6400800"/>
-            <a:ext cx="12192000" cy="457200"/>
-          </a:xfrm>
-          <a:prstGeom prst="rect">
-            <a:avLst/>
-          </a:prstGeom>
-          <a:solidFill>
-            <a:srgbClr val="262626">
-              <a:alpha val="95000"/>
-            </a:srgbClr>
-          </a:solidFill>
-          <a:ln>
-            <a:noFill/>
-          </a:ln>
-        </p:spPr>
-        <p:style>
-          <a:lnRef idx="2">
-            <a:schemeClr val="accent1">
-              <a:shade val="50000"/>
-            </a:schemeClr>
-          </a:lnRef>
-          <a:fillRef idx="1">
-            <a:schemeClr val="accent1"/>
-          </a:fillRef>
-          <a:effectRef idx="0">
-            <a:schemeClr val="accent1"/>
-          </a:effectRef>
-          <a:fontRef idx="minor">
-            <a:schemeClr val="lt1"/>
-          </a:fontRef>
-        </p:style>
-      </p:sp>
     </p:spTree>
     <p:extLst>
       <p:ext uri="{BB962C8B-B14F-4D97-AF65-F5344CB8AC3E}">
@@ -4132,14 +4006,225 @@
     </p:extLst>
   </p:cSld>
   <p:clrMapOvr>
-    <a:masterClrMapping/>
+    <a:overrideClrMapping bg1="dk1" tx1="lt1" bg2="dk2" tx2="lt2" accent1="accent1" accent2="accent2" accent3="accent3" accent4="accent4" accent5="accent5" accent6="accent6" hlink="hlink" folHlink="folHlink"/>
   </p:clrMapOvr>
+  <p:timing>
+    <p:tnLst>
+      <p:par>
+        <p:cTn id="1" dur="indefinite" restart="never" nodeType="tmRoot">
+          <p:childTnLst>
+            <p:seq concurrent="1" nextAc="seek">
+              <p:cTn id="2" dur="indefinite" nodeType="mainSeq">
+                <p:childTnLst>
+                  <p:par>
+                    <p:cTn id="3" fill="hold">
+                      <p:stCondLst>
+                        <p:cond delay="indefinite"/>
+                        <p:cond evt="onBegin" delay="0">
+                          <p:tn val="2"/>
+                        </p:cond>
+                      </p:stCondLst>
+                      <p:childTnLst>
+                        <p:par>
+                          <p:cTn id="4" fill="hold">
+                            <p:stCondLst>
+                              <p:cond delay="0"/>
+                            </p:stCondLst>
+                            <p:childTnLst>
+                              <p:par>
+                                <p:cTn id="5" presetID="10" presetClass="entr" presetSubtype="0" fill="hold" grpId="0" nodeType="withEffect">
+                                  <p:stCondLst>
+                                    <p:cond delay="2000"/>
+                                  </p:stCondLst>
+                                  <p:iterate type="lt">
+                                    <p:tmPct val="10000"/>
+                                  </p:iterate>
+                                  <p:childTnLst>
+                                    <p:set>
+                                      <p:cBhvr>
+                                        <p:cTn id="6" dur="1" fill="hold">
+                                          <p:stCondLst>
+                                            <p:cond delay="0"/>
+                                          </p:stCondLst>
+                                        </p:cTn>
+                                        <p:tgtEl>
+                                          <p:spTgt spid="3">
+                                            <p:txEl>
+                                              <p:pRg st="0" end="0"/>
+                                            </p:txEl>
+                                          </p:spTgt>
+                                        </p:tgtEl>
+                                        <p:attrNameLst>
+                                          <p:attrName>style.visibility</p:attrName>
+                                        </p:attrNameLst>
+                                      </p:cBhvr>
+                                      <p:to>
+                                        <p:strVal val="visible"/>
+                                      </p:to>
+                                    </p:set>
+                                    <p:animEffect transition="in" filter="fade">
+                                      <p:cBhvr>
+                                        <p:cTn id="7" dur="400"/>
+                                        <p:tgtEl>
+                                          <p:spTgt spid="3">
+                                            <p:txEl>
+                                              <p:pRg st="0" end="0"/>
+                                            </p:txEl>
+                                          </p:spTgt>
+                                        </p:tgtEl>
+                                      </p:cBhvr>
+                                    </p:animEffect>
+                                  </p:childTnLst>
+                                </p:cTn>
+                              </p:par>
+                              <p:par>
+                                <p:cTn id="8" presetID="10" presetClass="entr" presetSubtype="0" fill="hold" grpId="0" nodeType="withEffect">
+                                  <p:stCondLst>
+                                    <p:cond delay="1000"/>
+                                  </p:stCondLst>
+                                  <p:iterate type="lt">
+                                    <p:tmPct val="10000"/>
+                                  </p:iterate>
+                                  <p:childTnLst>
+                                    <p:set>
+                                      <p:cBhvr>
+                                        <p:cTn id="9" dur="1" fill="hold">
+                                          <p:stCondLst>
+                                            <p:cond delay="0"/>
+                                          </p:stCondLst>
+                                        </p:cTn>
+                                        <p:tgtEl>
+                                          <p:spTgt spid="2"/>
+                                        </p:tgtEl>
+                                        <p:attrNameLst>
+                                          <p:attrName>style.visibility</p:attrName>
+                                        </p:attrNameLst>
+                                      </p:cBhvr>
+                                      <p:to>
+                                        <p:strVal val="visible"/>
+                                      </p:to>
+                                    </p:set>
+                                    <p:animEffect transition="in" filter="fade">
+                                      <p:cBhvr>
+                                        <p:cTn id="10" dur="400"/>
+                                        <p:tgtEl>
+                                          <p:spTgt spid="2"/>
+                                        </p:tgtEl>
+                                      </p:cBhvr>
+                                    </p:animEffect>
+                                  </p:childTnLst>
+                                </p:cTn>
+                              </p:par>
+                            </p:childTnLst>
+                          </p:cTn>
+                        </p:par>
+                      </p:childTnLst>
+                    </p:cTn>
+                  </p:par>
+                  <p:par>
+                    <p:cTn id="11" fill="hold">
+                      <p:stCondLst>
+                        <p:cond delay="indefinite"/>
+                      </p:stCondLst>
+                      <p:childTnLst>
+                        <p:par>
+                          <p:cTn id="12" fill="hold">
+                            <p:stCondLst>
+                              <p:cond delay="0"/>
+                            </p:stCondLst>
+                            <p:childTnLst>
+                              <p:par>
+                                <p:cTn id="13" presetID="10" presetClass="entr" presetSubtype="0" fill="hold" grpId="0" nodeType="clickEffect">
+                                  <p:stCondLst>
+                                    <p:cond delay="2000"/>
+                                  </p:stCondLst>
+                                  <p:iterate type="lt">
+                                    <p:tmPct val="10000"/>
+                                  </p:iterate>
+                                  <p:childTnLst>
+                                    <p:set>
+                                      <p:cBhvr>
+                                        <p:cTn id="14" dur="1" fill="hold">
+                                          <p:stCondLst>
+                                            <p:cond delay="0"/>
+                                          </p:stCondLst>
+                                        </p:cTn>
+                                        <p:tgtEl>
+                                          <p:spTgt spid="3">
+                                            <p:txEl>
+                                              <p:pRg st="1" end="1"/>
+                                            </p:txEl>
+                                          </p:spTgt>
+                                        </p:tgtEl>
+                                        <p:attrNameLst>
+                                          <p:attrName>style.visibility</p:attrName>
+                                        </p:attrNameLst>
+                                      </p:cBhvr>
+                                      <p:to>
+                                        <p:strVal val="visible"/>
+                                      </p:to>
+                                    </p:set>
+                                    <p:animEffect transition="in" filter="fade">
+                                      <p:cBhvr>
+                                        <p:cTn id="15" dur="400"/>
+                                        <p:tgtEl>
+                                          <p:spTgt spid="3">
+                                            <p:txEl>
+                                              <p:pRg st="1" end="1"/>
+                                            </p:txEl>
+                                          </p:spTgt>
+                                        </p:tgtEl>
+                                      </p:cBhvr>
+                                    </p:animEffect>
+                                  </p:childTnLst>
+                                </p:cTn>
+                              </p:par>
+                            </p:childTnLst>
+                          </p:cTn>
+                        </p:par>
+                      </p:childTnLst>
+                    </p:cTn>
+                  </p:par>
+                </p:childTnLst>
+              </p:cTn>
+              <p:prevCondLst>
+                <p:cond evt="onPrev" delay="0">
+                  <p:tgtEl>
+                    <p:sldTgt/>
+                  </p:tgtEl>
+                </p:cond>
+              </p:prevCondLst>
+              <p:nextCondLst>
+                <p:cond evt="onNext" delay="0">
+                  <p:tgtEl>
+                    <p:sldTgt/>
+                  </p:tgtEl>
+                </p:cond>
+              </p:nextCondLst>
+            </p:seq>
+          </p:childTnLst>
+        </p:cTn>
+      </p:par>
+    </p:tnLst>
+    <p:bldLst>
+      <p:bldP spid="2" grpId="0"/>
+      <p:bldP spid="3" grpId="0" build="p"/>
+    </p:bldLst>
+  </p:timing>
 </p:sld>
 </file>
 
 <file path=ppt/slides/slide10.xml><?xml version="1.0" encoding="utf-8"?>
 <p:sld xmlns:a="http://schemas.openxmlformats.org/drawingml/2006/main" xmlns:r="http://schemas.openxmlformats.org/officeDocument/2006/relationships" xmlns:p="http://schemas.openxmlformats.org/presentationml/2006/main">
   <p:cSld>
+    <p:bg>
+      <p:bgPr>
+        <a:solidFill>
+          <a:schemeClr val="bg1"/>
+        </a:solidFill>
+        <a:effectLst/>
+      </p:bgPr>
+    </p:bg>
     <p:spTree>
       <p:nvGrpSpPr>
         <p:cNvPr id="1" name=""/>
@@ -4154,12 +4239,172 @@
           <a:chExt cx="0" cy="0"/>
         </a:xfrm>
       </p:grpSpPr>
+      <p:sp useBgFill="1">
+        <p:nvSpPr>
+          <p:cNvPr id="24" name="Rectangle 23">
+            <a:extLst>
+              <a:ext uri="{FF2B5EF4-FFF2-40B4-BE49-F238E27FC236}">
+                <a16:creationId xmlns:a16="http://schemas.microsoft.com/office/drawing/2014/main" id="{990D0034-F768-41E7-85D4-F38C4DE85770}"/>
+              </a:ext>
+              <a:ext uri="{C183D7F6-B498-43B3-948B-1728B52AA6E4}">
+                <adec:decorative xmlns:adec="http://schemas.microsoft.com/office/drawing/2017/decorative" val="1"/>
+              </a:ext>
+            </a:extLst>
+          </p:cNvPr>
+          <p:cNvSpPr>
+            <a:spLocks noGrp="1" noRot="1" noChangeAspect="1" noMove="1" noResize="1" noEditPoints="1" noAdjustHandles="1" noChangeArrowheads="1" noChangeShapeType="1" noTextEdit="1"/>
+          </p:cNvSpPr>
+          <p:nvPr>
+            <p:extLst>
+              <p:ext uri="{386F3935-93C4-4BCD-93E2-E3B085C9AB24}">
+                <p16:designElem xmlns:p16="http://schemas.microsoft.com/office/powerpoint/2015/main" val="1"/>
+              </p:ext>
+            </p:extLst>
+          </p:nvPr>
+        </p:nvSpPr>
+        <p:spPr>
+          <a:xfrm>
+            <a:off x="5685" y="0"/>
+            <a:ext cx="12186315" cy="6858000"/>
+          </a:xfrm>
+          <a:prstGeom prst="rect">
+            <a:avLst/>
+          </a:prstGeom>
+          <a:ln>
+            <a:noFill/>
+          </a:ln>
+        </p:spPr>
+        <p:style>
+          <a:lnRef idx="2">
+            <a:schemeClr val="accent6">
+              <a:shade val="50000"/>
+            </a:schemeClr>
+          </a:lnRef>
+          <a:fillRef idx="1001">
+            <a:schemeClr val="lt1"/>
+          </a:fillRef>
+          <a:effectRef idx="0">
+            <a:schemeClr val="accent6"/>
+          </a:effectRef>
+          <a:fontRef idx="minor">
+            <a:schemeClr val="lt1"/>
+          </a:fontRef>
+        </p:style>
+        <p:txBody>
+          <a:bodyPr rtlCol="0" anchor="ctr"/>
+          <a:lstStyle/>
+          <a:p>
+            <a:pPr algn="ctr"/>
+            <a:endParaRPr lang="en-US" dirty="0"/>
+          </a:p>
+        </p:txBody>
+      </p:sp>
+      <p:pic>
+        <p:nvPicPr>
+          <p:cNvPr id="7" name="Picture 6" descr="Chart, scatter chart&#10;&#10;Description automatically generated">
+            <a:extLst>
+              <a:ext uri="{FF2B5EF4-FFF2-40B4-BE49-F238E27FC236}">
+                <a16:creationId xmlns:a16="http://schemas.microsoft.com/office/drawing/2014/main" id="{E2716371-A64A-DD38-58C7-75457DFC0702}"/>
+              </a:ext>
+            </a:extLst>
+          </p:cNvPr>
+          <p:cNvPicPr>
+            <a:picLocks noChangeAspect="1"/>
+          </p:cNvPicPr>
+          <p:nvPr/>
+        </p:nvPicPr>
+        <p:blipFill rotWithShape="1">
+          <a:blip r:embed="rId2">
+            <a:extLst>
+              <a:ext uri="{28A0092B-C50C-407E-A947-70E740481C1C}">
+                <a14:useLocalDpi xmlns:a14="http://schemas.microsoft.com/office/drawing/2010/main" val="0"/>
+              </a:ext>
+            </a:extLst>
+          </a:blip>
+          <a:srcRect t="8444" r="1" b="7248"/>
+          <a:stretch/>
+        </p:blipFill>
+        <p:spPr>
+          <a:xfrm>
+            <a:off x="2843" y="10"/>
+            <a:ext cx="12186315" cy="6857990"/>
+          </a:xfrm>
+          <a:prstGeom prst="rect">
+            <a:avLst/>
+          </a:prstGeom>
+        </p:spPr>
+      </p:pic>
+      <p:sp>
+        <p:nvSpPr>
+          <p:cNvPr id="26" name="Rectangle 25">
+            <a:extLst>
+              <a:ext uri="{FF2B5EF4-FFF2-40B4-BE49-F238E27FC236}">
+                <a16:creationId xmlns:a16="http://schemas.microsoft.com/office/drawing/2014/main" id="{95B38FD6-641F-41BF-B466-C1C6366420F0}"/>
+              </a:ext>
+              <a:ext uri="{C183D7F6-B498-43B3-948B-1728B52AA6E4}">
+                <adec:decorative xmlns:adec="http://schemas.microsoft.com/office/drawing/2017/decorative" val="1"/>
+              </a:ext>
+            </a:extLst>
+          </p:cNvPr>
+          <p:cNvSpPr>
+            <a:spLocks noGrp="1" noRot="1" noChangeAspect="1" noMove="1" noResize="1" noEditPoints="1" noAdjustHandles="1" noChangeArrowheads="1" noChangeShapeType="1" noTextEdit="1"/>
+          </p:cNvSpPr>
+          <p:nvPr>
+            <p:extLst>
+              <p:ext uri="{386F3935-93C4-4BCD-93E2-E3B085C9AB24}">
+                <p16:designElem xmlns:p16="http://schemas.microsoft.com/office/powerpoint/2015/main" val="1"/>
+              </p:ext>
+            </p:extLst>
+          </p:nvPr>
+        </p:nvSpPr>
+        <p:spPr>
+          <a:xfrm>
+            <a:off x="707474" y="1238442"/>
+            <a:ext cx="3635926" cy="4355751"/>
+          </a:xfrm>
+          <a:prstGeom prst="rect">
+            <a:avLst/>
+          </a:prstGeom>
+          <a:solidFill>
+            <a:srgbClr val="000000">
+              <a:alpha val="79000"/>
+            </a:srgbClr>
+          </a:solidFill>
+          <a:ln>
+            <a:noFill/>
+          </a:ln>
+        </p:spPr>
+        <p:style>
+          <a:lnRef idx="2">
+            <a:schemeClr val="accent1">
+              <a:shade val="50000"/>
+            </a:schemeClr>
+          </a:lnRef>
+          <a:fillRef idx="1">
+            <a:schemeClr val="accent1"/>
+          </a:fillRef>
+          <a:effectRef idx="0">
+            <a:schemeClr val="accent1"/>
+          </a:effectRef>
+          <a:fontRef idx="minor">
+            <a:schemeClr val="lt1"/>
+          </a:fontRef>
+        </p:style>
+        <p:txBody>
+          <a:bodyPr rtlCol="0" anchor="ctr"/>
+          <a:lstStyle/>
+          <a:p>
+            <a:pPr algn="ctr"/>
+            <a:endParaRPr lang="en-US"/>
+          </a:p>
+        </p:txBody>
+      </p:sp>
       <p:sp>
         <p:nvSpPr>
           <p:cNvPr id="2" name="Title 1">
             <a:extLst>
               <a:ext uri="{FF2B5EF4-FFF2-40B4-BE49-F238E27FC236}">
-                <a16:creationId xmlns:a16="http://schemas.microsoft.com/office/drawing/2014/main" id="{645DB37B-C0B5-B77E-C231-FE083428EB76}"/>
+                <a16:creationId xmlns:a16="http://schemas.microsoft.com/office/drawing/2014/main" id="{A780DD67-AF68-1349-4F50-2731BECFE972}"/>
               </a:ext>
             </a:extLst>
           </p:cNvPr>
@@ -4172,37 +4417,211 @@
         </p:nvSpPr>
         <p:spPr>
           <a:xfrm>
-            <a:off x="1225617" y="1978243"/>
-            <a:ext cx="10058400" cy="1450757"/>
-          </a:xfrm>
-        </p:spPr>
-        <p:txBody>
-          <a:bodyPr/>
+            <a:off x="948648" y="1419273"/>
+            <a:ext cx="3153580" cy="1358188"/>
+          </a:xfrm>
+        </p:spPr>
+        <p:txBody>
+          <a:bodyPr>
+            <a:normAutofit/>
+          </a:bodyPr>
           <a:lstStyle/>
           <a:p>
             <a:r>
-              <a:rPr lang="en-US" dirty="0"/>
-              <a:t>Thank You!</a:t>
-            </a:r>
-          </a:p>
-        </p:txBody>
+              <a:rPr lang="en-US" sz="3600">
+                <a:solidFill>
+                  <a:srgbClr val="FFFFFF"/>
+                </a:solidFill>
+              </a:rPr>
+              <a:t>Solution (Q3)</a:t>
+            </a:r>
+          </a:p>
+        </p:txBody>
+      </p:sp>
+      <p:cxnSp>
+        <p:nvCxnSpPr>
+          <p:cNvPr id="28" name="Straight Connector 27">
+            <a:extLst>
+              <a:ext uri="{FF2B5EF4-FFF2-40B4-BE49-F238E27FC236}">
+                <a16:creationId xmlns:a16="http://schemas.microsoft.com/office/drawing/2014/main" id="{6BF9119E-766E-4526-AAE5-639F577C0493}"/>
+              </a:ext>
+              <a:ext uri="{C183D7F6-B498-43B3-948B-1728B52AA6E4}">
+                <adec:decorative xmlns:adec="http://schemas.microsoft.com/office/drawing/2017/decorative" val="1"/>
+              </a:ext>
+            </a:extLst>
+          </p:cNvPr>
+          <p:cNvCxnSpPr>
+            <a:cxnSpLocks noGrp="1" noRot="1" noChangeAspect="1" noMove="1" noResize="1" noEditPoints="1" noAdjustHandles="1" noChangeArrowheads="1" noChangeShapeType="1"/>
+          </p:cNvCxnSpPr>
+          <p:nvPr>
+            <p:extLst>
+              <p:ext uri="{386F3935-93C4-4BCD-93E2-E3B085C9AB24}">
+                <p16:designElem xmlns:p16="http://schemas.microsoft.com/office/powerpoint/2015/main" val="1"/>
+              </p:ext>
+            </p:extLst>
+          </p:nvPr>
+        </p:nvCxnSpPr>
+        <p:spPr>
+          <a:xfrm>
+            <a:off x="1038277" y="2865016"/>
+            <a:ext cx="2926080" cy="0"/>
+          </a:xfrm>
+          <a:prstGeom prst="line">
+            <a:avLst/>
+          </a:prstGeom>
+          <a:ln w="19050">
+            <a:solidFill>
+              <a:schemeClr val="accent1"/>
+            </a:solidFill>
+          </a:ln>
+        </p:spPr>
+        <p:style>
+          <a:lnRef idx="1">
+            <a:schemeClr val="accent1"/>
+          </a:lnRef>
+          <a:fillRef idx="0">
+            <a:schemeClr val="accent1"/>
+          </a:fillRef>
+          <a:effectRef idx="0">
+            <a:schemeClr val="accent1"/>
+          </a:effectRef>
+          <a:fontRef idx="minor">
+            <a:schemeClr val="tx1"/>
+          </a:fontRef>
+        </p:style>
+      </p:cxnSp>
+      <p:sp>
+        <p:nvSpPr>
+          <p:cNvPr id="14" name="Content Placeholder 13">
+            <a:extLst>
+              <a:ext uri="{FF2B5EF4-FFF2-40B4-BE49-F238E27FC236}">
+                <a16:creationId xmlns:a16="http://schemas.microsoft.com/office/drawing/2014/main" id="{F4FB85CB-BE9F-C2CD-9555-B8C6AA7EDA18}"/>
+              </a:ext>
+            </a:extLst>
+          </p:cNvPr>
+          <p:cNvSpPr>
+            <a:spLocks noGrp="1"/>
+          </p:cNvSpPr>
+          <p:nvPr>
+            <p:ph idx="1"/>
+          </p:nvPr>
+        </p:nvSpPr>
+        <p:spPr>
+          <a:xfrm>
+            <a:off x="948648" y="2978254"/>
+            <a:ext cx="3153580" cy="2444238"/>
+          </a:xfrm>
+        </p:spPr>
+        <p:txBody>
+          <a:bodyPr>
+            <a:normAutofit/>
+          </a:bodyPr>
+          <a:lstStyle/>
+          <a:p>
+            <a:pPr>
+              <a:lnSpc>
+                <a:spcPct val="100000"/>
+              </a:lnSpc>
+            </a:pPr>
+            <a:r>
+              <a:rPr lang="en-US" sz="1600" b="0" i="0">
+                <a:solidFill>
+                  <a:srgbClr val="FFFFFF"/>
+                </a:solidFill>
+                <a:effectLst/>
+                <a:latin typeface="-apple-system"/>
+              </a:rPr>
+              <a:t>On top of that, I also wanted to find out if more reviews in a movies would likely mean that it is good, and viewers recommend movies they like to each other. This can be seen from the plot below which show how the more likeable movie had the greatest number of reviews and votes.</a:t>
+            </a:r>
+            <a:endParaRPr lang="en-US" sz="1600">
+              <a:solidFill>
+                <a:srgbClr val="FFFFFF"/>
+              </a:solidFill>
+            </a:endParaRPr>
+          </a:p>
+        </p:txBody>
+      </p:sp>
+      <p:sp>
+        <p:nvSpPr>
+          <p:cNvPr id="30" name="!!footer rectangle">
+            <a:extLst>
+              <a:ext uri="{FF2B5EF4-FFF2-40B4-BE49-F238E27FC236}">
+                <a16:creationId xmlns:a16="http://schemas.microsoft.com/office/drawing/2014/main" id="{1FE461C7-FF45-427F-83D7-18DFBD48188D}"/>
+              </a:ext>
+              <a:ext uri="{C183D7F6-B498-43B3-948B-1728B52AA6E4}">
+                <adec:decorative xmlns:adec="http://schemas.microsoft.com/office/drawing/2017/decorative" val="1"/>
+              </a:ext>
+            </a:extLst>
+          </p:cNvPr>
+          <p:cNvSpPr>
+            <a:spLocks noGrp="1" noRot="1" noChangeAspect="1" noMove="1" noResize="1" noEditPoints="1" noAdjustHandles="1" noChangeArrowheads="1" noChangeShapeType="1" noTextEdit="1"/>
+          </p:cNvSpPr>
+          <p:nvPr>
+            <p:extLst>
+              <p:ext uri="{386F3935-93C4-4BCD-93E2-E3B085C9AB24}">
+                <p16:designElem xmlns:p16="http://schemas.microsoft.com/office/powerpoint/2015/main" val="1"/>
+              </p:ext>
+            </p:extLst>
+          </p:nvPr>
+        </p:nvSpPr>
+        <p:spPr>
+          <a:xfrm>
+            <a:off x="1" y="6400800"/>
+            <a:ext cx="12192000" cy="457200"/>
+          </a:xfrm>
+          <a:prstGeom prst="rect">
+            <a:avLst/>
+          </a:prstGeom>
+          <a:solidFill>
+            <a:srgbClr val="262626">
+              <a:alpha val="95000"/>
+            </a:srgbClr>
+          </a:solidFill>
+          <a:ln>
+            <a:noFill/>
+          </a:ln>
+        </p:spPr>
+        <p:style>
+          <a:lnRef idx="2">
+            <a:schemeClr val="accent1">
+              <a:shade val="50000"/>
+            </a:schemeClr>
+          </a:lnRef>
+          <a:fillRef idx="1">
+            <a:schemeClr val="accent1"/>
+          </a:fillRef>
+          <a:effectRef idx="0">
+            <a:schemeClr val="accent1"/>
+          </a:effectRef>
+          <a:fontRef idx="minor">
+            <a:schemeClr val="lt1"/>
+          </a:fontRef>
+        </p:style>
       </p:sp>
     </p:spTree>
     <p:extLst>
       <p:ext uri="{BB962C8B-B14F-4D97-AF65-F5344CB8AC3E}">
-        <p14:creationId xmlns:p14="http://schemas.microsoft.com/office/powerpoint/2010/main" val="3358721067"/>
+        <p14:creationId xmlns:p14="http://schemas.microsoft.com/office/powerpoint/2010/main" val="2464659192"/>
       </p:ext>
     </p:extLst>
   </p:cSld>
   <p:clrMapOvr>
-    <a:masterClrMapping/>
+    <a:overrideClrMapping bg1="dk1" tx1="lt1" bg2="dk2" tx2="lt2" accent1="accent1" accent2="accent2" accent3="accent3" accent4="accent4" accent5="accent5" accent6="accent6" hlink="hlink" folHlink="folHlink"/>
   </p:clrMapOvr>
 </p:sld>
 </file>
 
-<file path=ppt/slides/slide2.xml><?xml version="1.0" encoding="utf-8"?>
+<file path=ppt/slides/slide11.xml><?xml version="1.0" encoding="utf-8"?>
 <p:sld xmlns:a="http://schemas.openxmlformats.org/drawingml/2006/main" xmlns:r="http://schemas.openxmlformats.org/officeDocument/2006/relationships" xmlns:p="http://schemas.openxmlformats.org/presentationml/2006/main">
   <p:cSld>
+    <p:bg>
+      <p:bgPr>
+        <a:solidFill>
+          <a:schemeClr val="bg1"/>
+        </a:solidFill>
+        <a:effectLst/>
+      </p:bgPr>
+    </p:bg>
     <p:spTree>
       <p:nvGrpSpPr>
         <p:cNvPr id="1" name=""/>
@@ -4219,10 +4638,227 @@
       </p:grpSpPr>
       <p:sp>
         <p:nvSpPr>
+          <p:cNvPr id="23" name="Rectangle 22">
+            <a:extLst>
+              <a:ext uri="{FF2B5EF4-FFF2-40B4-BE49-F238E27FC236}">
+                <a16:creationId xmlns:a16="http://schemas.microsoft.com/office/drawing/2014/main" id="{B0E58038-8ACE-4AD9-B404-25C603550D83}"/>
+              </a:ext>
+              <a:ext uri="{C183D7F6-B498-43B3-948B-1728B52AA6E4}">
+                <adec:decorative xmlns:adec="http://schemas.microsoft.com/office/drawing/2017/decorative" val="1"/>
+              </a:ext>
+            </a:extLst>
+          </p:cNvPr>
+          <p:cNvSpPr>
+            <a:spLocks noGrp="1" noRot="1" noChangeAspect="1" noMove="1" noResize="1" noEditPoints="1" noAdjustHandles="1" noChangeArrowheads="1" noChangeShapeType="1" noTextEdit="1"/>
+          </p:cNvSpPr>
+          <p:nvPr>
+            <p:extLst>
+              <p:ext uri="{386F3935-93C4-4BCD-93E2-E3B085C9AB24}">
+                <p16:designElem xmlns:p16="http://schemas.microsoft.com/office/powerpoint/2015/main" val="1"/>
+              </p:ext>
+            </p:extLst>
+          </p:nvPr>
+        </p:nvSpPr>
+        <p:spPr>
+          <a:xfrm>
+            <a:off x="0" y="0"/>
+            <a:ext cx="12191999" cy="6858000"/>
+          </a:xfrm>
+          <a:prstGeom prst="rect">
+            <a:avLst/>
+          </a:prstGeom>
+          <a:solidFill>
+            <a:srgbClr val="000000"/>
+          </a:solidFill>
+          <a:ln>
+            <a:noFill/>
+          </a:ln>
+        </p:spPr>
+        <p:style>
+          <a:lnRef idx="2">
+            <a:schemeClr val="accent1">
+              <a:shade val="50000"/>
+            </a:schemeClr>
+          </a:lnRef>
+          <a:fillRef idx="1">
+            <a:schemeClr val="accent1"/>
+          </a:fillRef>
+          <a:effectRef idx="0">
+            <a:schemeClr val="accent1"/>
+          </a:effectRef>
+          <a:fontRef idx="minor">
+            <a:schemeClr val="lt1"/>
+          </a:fontRef>
+        </p:style>
+        <p:txBody>
+          <a:bodyPr rtlCol="0" anchor="ctr"/>
+          <a:lstStyle/>
+          <a:p>
+            <a:pPr marL="0" marR="0" lvl="0" indent="0" algn="ctr" defTabSz="914400" rtl="0" eaLnBrk="1" fontAlgn="auto" latinLnBrk="0" hangingPunct="1">
+              <a:lnSpc>
+                <a:spcPct val="100000"/>
+              </a:lnSpc>
+              <a:spcBef>
+                <a:spcPts val="0"/>
+              </a:spcBef>
+              <a:spcAft>
+                <a:spcPts val="0"/>
+              </a:spcAft>
+              <a:buClrTx/>
+              <a:buSzTx/>
+              <a:buFontTx/>
+              <a:buNone/>
+              <a:tabLst/>
+              <a:defRPr/>
+            </a:pPr>
+            <a:endParaRPr kumimoji="0" lang="en-US" sz="1800" b="0" i="0" u="none" strike="noStrike" kern="1200" cap="none" spc="0" normalizeH="0" baseline="0" noProof="0">
+              <a:ln>
+                <a:noFill/>
+              </a:ln>
+              <a:solidFill>
+                <a:prstClr val="white"/>
+              </a:solidFill>
+              <a:effectLst/>
+              <a:uLnTx/>
+              <a:uFillTx/>
+              <a:latin typeface="Calibri" panose="020F0502020204030204"/>
+              <a:ea typeface="+mn-ea"/>
+              <a:cs typeface="+mn-cs"/>
+            </a:endParaRPr>
+          </a:p>
+        </p:txBody>
+      </p:sp>
+      <p:pic>
+        <p:nvPicPr>
+          <p:cNvPr id="12" name="Picture 11" descr="Popcorn and drink in an empty red theater">
+            <a:extLst>
+              <a:ext uri="{FF2B5EF4-FFF2-40B4-BE49-F238E27FC236}">
+                <a16:creationId xmlns:a16="http://schemas.microsoft.com/office/drawing/2014/main" id="{65412393-6062-AF48-5196-3A2FDB2CD877}"/>
+              </a:ext>
+            </a:extLst>
+          </p:cNvPr>
+          <p:cNvPicPr>
+            <a:picLocks noChangeAspect="1"/>
+          </p:cNvPicPr>
+          <p:nvPr/>
+        </p:nvPicPr>
+        <p:blipFill rotWithShape="1">
+          <a:blip r:embed="rId2">
+            <a:alphaModFix amt="35000"/>
+          </a:blip>
+          <a:srcRect t="7707" b="7707"/>
+          <a:stretch/>
+        </p:blipFill>
+        <p:spPr>
+          <a:xfrm>
+            <a:off x="20" y="10"/>
+            <a:ext cx="12191980" cy="6857990"/>
+          </a:xfrm>
+          <a:prstGeom prst="rect">
+            <a:avLst/>
+          </a:prstGeom>
+        </p:spPr>
+      </p:pic>
+      <p:sp>
+        <p:nvSpPr>
+          <p:cNvPr id="25" name="rectangle">
+            <a:extLst>
+              <a:ext uri="{FF2B5EF4-FFF2-40B4-BE49-F238E27FC236}">
+                <a16:creationId xmlns:a16="http://schemas.microsoft.com/office/drawing/2014/main" id="{5A5CD42F-AE21-4AA7-BD72-1BB06E7DB765}"/>
+              </a:ext>
+              <a:ext uri="{C183D7F6-B498-43B3-948B-1728B52AA6E4}">
+                <adec:decorative xmlns:adec="http://schemas.microsoft.com/office/drawing/2017/decorative" val="1"/>
+              </a:ext>
+            </a:extLst>
+          </p:cNvPr>
+          <p:cNvSpPr>
+            <a:spLocks noGrp="1" noRot="1" noChangeAspect="1" noMove="1" noResize="1" noEditPoints="1" noAdjustHandles="1" noChangeArrowheads="1" noChangeShapeType="1" noTextEdit="1"/>
+          </p:cNvSpPr>
+          <p:nvPr>
+            <p:extLst>
+              <p:ext uri="{386F3935-93C4-4BCD-93E2-E3B085C9AB24}">
+                <p16:designElem xmlns:p16="http://schemas.microsoft.com/office/powerpoint/2015/main" val="1"/>
+              </p:ext>
+            </p:extLst>
+          </p:nvPr>
+        </p:nvSpPr>
+        <p:spPr>
+          <a:xfrm>
+            <a:off x="643466" y="321734"/>
+            <a:ext cx="10915923" cy="5596408"/>
+          </a:xfrm>
+          <a:prstGeom prst="rect">
+            <a:avLst/>
+          </a:prstGeom>
+          <a:solidFill>
+            <a:srgbClr val="000000">
+              <a:alpha val="79000"/>
+            </a:srgbClr>
+          </a:solidFill>
+          <a:ln>
+            <a:noFill/>
+          </a:ln>
+        </p:spPr>
+        <p:style>
+          <a:lnRef idx="2">
+            <a:schemeClr val="accent1">
+              <a:shade val="50000"/>
+            </a:schemeClr>
+          </a:lnRef>
+          <a:fillRef idx="1">
+            <a:schemeClr val="accent1"/>
+          </a:fillRef>
+          <a:effectRef idx="0">
+            <a:schemeClr val="accent1"/>
+          </a:effectRef>
+          <a:fontRef idx="minor">
+            <a:schemeClr val="lt1"/>
+          </a:fontRef>
+        </p:style>
+        <p:txBody>
+          <a:bodyPr rtlCol="0" anchor="ctr"/>
+          <a:lstStyle/>
+          <a:p>
+            <a:pPr marL="0" marR="0" lvl="0" indent="0" algn="ctr" defTabSz="914400" rtl="0" eaLnBrk="1" fontAlgn="auto" latinLnBrk="0" hangingPunct="1">
+              <a:lnSpc>
+                <a:spcPct val="100000"/>
+              </a:lnSpc>
+              <a:spcBef>
+                <a:spcPts val="0"/>
+              </a:spcBef>
+              <a:spcAft>
+                <a:spcPts val="0"/>
+              </a:spcAft>
+              <a:buClrTx/>
+              <a:buSzTx/>
+              <a:buFontTx/>
+              <a:buNone/>
+              <a:tabLst/>
+              <a:defRPr/>
+            </a:pPr>
+            <a:endParaRPr kumimoji="0" lang="en-US" sz="1800" b="0" i="0" u="none" strike="noStrike" kern="1200" cap="none" spc="0" normalizeH="0" baseline="0" noProof="0">
+              <a:ln>
+                <a:noFill/>
+              </a:ln>
+              <a:solidFill>
+                <a:prstClr val="white"/>
+              </a:solidFill>
+              <a:effectLst/>
+              <a:uLnTx/>
+              <a:uFillTx/>
+              <a:latin typeface="Calibri" panose="020F0502020204030204"/>
+              <a:ea typeface="+mn-ea"/>
+              <a:cs typeface="+mn-cs"/>
+            </a:endParaRPr>
+          </a:p>
+        </p:txBody>
+      </p:sp>
+      <p:sp>
+        <p:nvSpPr>
           <p:cNvPr id="2" name="Title 1">
             <a:extLst>
               <a:ext uri="{FF2B5EF4-FFF2-40B4-BE49-F238E27FC236}">
-                <a16:creationId xmlns:a16="http://schemas.microsoft.com/office/drawing/2014/main" id="{3F8862A4-95A6-6D1C-E939-09002E0D0252}"/>
+                <a16:creationId xmlns:a16="http://schemas.microsoft.com/office/drawing/2014/main" id="{6170DDF4-2EA1-A179-E32A-0A50FA1CB328}"/>
               </a:ext>
             </a:extLst>
           </p:cNvPr>
@@ -4233,24 +4869,87 @@
             <p:ph type="title"/>
           </p:nvPr>
         </p:nvSpPr>
-        <p:spPr/>
-        <p:txBody>
-          <a:bodyPr/>
+        <p:spPr>
+          <a:xfrm>
+            <a:off x="1192696" y="665922"/>
+            <a:ext cx="9800886" cy="1071438"/>
+          </a:xfrm>
+        </p:spPr>
+        <p:txBody>
+          <a:bodyPr>
+            <a:normAutofit/>
+          </a:bodyPr>
           <a:lstStyle/>
           <a:p>
             <a:r>
-              <a:rPr lang="en-US" dirty="0"/>
-              <a:t>Business Background</a:t>
-            </a:r>
-          </a:p>
-        </p:txBody>
-      </p:sp>
+              <a:rPr lang="en-US" sz="4000">
+                <a:solidFill>
+                  <a:srgbClr val="FFFFFF"/>
+                </a:solidFill>
+              </a:rPr>
+              <a:t>Solution (Q3)</a:t>
+            </a:r>
+          </a:p>
+        </p:txBody>
+      </p:sp>
+      <p:cxnSp>
+        <p:nvCxnSpPr>
+          <p:cNvPr id="27" name="Straight Connector">
+            <a:extLst>
+              <a:ext uri="{FF2B5EF4-FFF2-40B4-BE49-F238E27FC236}">
+                <a16:creationId xmlns:a16="http://schemas.microsoft.com/office/drawing/2014/main" id="{38A34772-9011-42B5-AA63-FD6DEC92EE72}"/>
+              </a:ext>
+              <a:ext uri="{C183D7F6-B498-43B3-948B-1728B52AA6E4}">
+                <adec:decorative xmlns:adec="http://schemas.microsoft.com/office/drawing/2017/decorative" val="1"/>
+              </a:ext>
+            </a:extLst>
+          </p:cNvPr>
+          <p:cNvCxnSpPr>
+            <a:cxnSpLocks noGrp="1" noRot="1" noChangeAspect="1" noMove="1" noResize="1" noEditPoints="1" noAdjustHandles="1" noChangeArrowheads="1" noChangeShapeType="1"/>
+          </p:cNvCxnSpPr>
+          <p:nvPr>
+            <p:extLst>
+              <p:ext uri="{386F3935-93C4-4BCD-93E2-E3B085C9AB24}">
+                <p16:designElem xmlns:p16="http://schemas.microsoft.com/office/powerpoint/2015/main" val="1"/>
+              </p:ext>
+            </p:extLst>
+          </p:nvPr>
+        </p:nvCxnSpPr>
+        <p:spPr>
+          <a:xfrm>
+            <a:off x="1297789" y="1910746"/>
+            <a:ext cx="9618132" cy="0"/>
+          </a:xfrm>
+          <a:prstGeom prst="line">
+            <a:avLst/>
+          </a:prstGeom>
+          <a:ln w="12700">
+            <a:solidFill>
+              <a:schemeClr val="accent1"/>
+            </a:solidFill>
+          </a:ln>
+        </p:spPr>
+        <p:style>
+          <a:lnRef idx="1">
+            <a:schemeClr val="accent1"/>
+          </a:lnRef>
+          <a:fillRef idx="0">
+            <a:schemeClr val="accent1"/>
+          </a:fillRef>
+          <a:effectRef idx="0">
+            <a:schemeClr val="accent1"/>
+          </a:effectRef>
+          <a:fontRef idx="minor">
+            <a:schemeClr val="tx1"/>
+          </a:fontRef>
+        </p:style>
+      </p:cxnSp>
       <p:sp>
         <p:nvSpPr>
           <p:cNvPr id="3" name="Content Placeholder 2">
             <a:extLst>
               <a:ext uri="{FF2B5EF4-FFF2-40B4-BE49-F238E27FC236}">
-                <a16:creationId xmlns:a16="http://schemas.microsoft.com/office/drawing/2014/main" id="{130A630D-6A19-CE3A-2C2D-A017F16DC5A3}"/>
+                <a16:creationId xmlns:a16="http://schemas.microsoft.com/office/drawing/2014/main" id="{990436F6-00D0-162A-0C0C-251F0E0BF27E}"/>
               </a:ext>
             </a:extLst>
           </p:cNvPr>
@@ -4261,46 +4960,93 @@
             <p:ph idx="1"/>
           </p:nvPr>
         </p:nvSpPr>
-        <p:spPr/>
-        <p:txBody>
-          <a:bodyPr/>
+        <p:spPr>
+          <a:xfrm>
+            <a:off x="1308645" y="2108202"/>
+            <a:ext cx="9607276" cy="3321622"/>
+          </a:xfrm>
+        </p:spPr>
+        <p:txBody>
+          <a:bodyPr>
+            <a:normAutofit/>
+          </a:bodyPr>
           <a:lstStyle/>
           <a:p>
-            <a:pPr>
-              <a:buFont typeface="Wingdings" panose="05000000000000000000" pitchFamily="2" charset="2"/>
-              <a:buChar char="§"/>
-            </a:pPr>
-            <a:r>
-              <a:rPr lang="en-US" dirty="0"/>
-              <a:t> Know the effective start budget</a:t>
-            </a:r>
-          </a:p>
-          <a:p>
-            <a:pPr>
-              <a:buFont typeface="Wingdings" panose="05000000000000000000" pitchFamily="2" charset="2"/>
-              <a:buChar char="§"/>
-            </a:pPr>
-            <a:r>
-              <a:rPr lang="en-US" dirty="0"/>
-              <a:t> Find the target audience genre</a:t>
-            </a:r>
-          </a:p>
-          <a:p>
-            <a:pPr>
-              <a:buFont typeface="Wingdings" panose="05000000000000000000" pitchFamily="2" charset="2"/>
-              <a:buChar char="§"/>
-            </a:pPr>
-            <a:r>
-              <a:rPr lang="en-US" dirty="0"/>
-              <a:t> Find the movie popularity standard</a:t>
-            </a:r>
-          </a:p>
-        </p:txBody>
+            <a:pPr algn="l"/>
+            <a:r>
+              <a:rPr lang="en-US" sz="2400" b="1" i="0" dirty="0">
+                <a:solidFill>
+                  <a:srgbClr val="C9D1D9"/>
+                </a:solidFill>
+                <a:effectLst/>
+                <a:latin typeface="-apple-system"/>
+              </a:rPr>
+              <a:t>The view would be that Microsoft Studios should investigate getting more familiar characters in a movie. This will end up exciting its audience causing the movie to get more views and overall ratings.</a:t>
+            </a:r>
+          </a:p>
+        </p:txBody>
+      </p:sp>
+      <p:sp>
+        <p:nvSpPr>
+          <p:cNvPr id="29" name="!!footer rectangle">
+            <a:extLst>
+              <a:ext uri="{FF2B5EF4-FFF2-40B4-BE49-F238E27FC236}">
+                <a16:creationId xmlns:a16="http://schemas.microsoft.com/office/drawing/2014/main" id="{82BCDE19-2810-4337-9C49-8589C421767D}"/>
+              </a:ext>
+              <a:ext uri="{C183D7F6-B498-43B3-948B-1728B52AA6E4}">
+                <adec:decorative xmlns:adec="http://schemas.microsoft.com/office/drawing/2017/decorative" val="1"/>
+              </a:ext>
+            </a:extLst>
+          </p:cNvPr>
+          <p:cNvSpPr>
+            <a:spLocks noGrp="1" noRot="1" noChangeAspect="1" noMove="1" noResize="1" noEditPoints="1" noAdjustHandles="1" noChangeArrowheads="1" noChangeShapeType="1" noTextEdit="1"/>
+          </p:cNvSpPr>
+          <p:nvPr>
+            <p:extLst>
+              <p:ext uri="{386F3935-93C4-4BCD-93E2-E3B085C9AB24}">
+                <p16:designElem xmlns:p16="http://schemas.microsoft.com/office/powerpoint/2015/main" val="1"/>
+              </p:ext>
+            </p:extLst>
+          </p:nvPr>
+        </p:nvSpPr>
+        <p:spPr>
+          <a:xfrm>
+            <a:off x="1" y="6400800"/>
+            <a:ext cx="12192000" cy="457200"/>
+          </a:xfrm>
+          <a:prstGeom prst="rect">
+            <a:avLst/>
+          </a:prstGeom>
+          <a:solidFill>
+            <a:srgbClr val="262626">
+              <a:alpha val="95000"/>
+            </a:srgbClr>
+          </a:solidFill>
+          <a:ln>
+            <a:noFill/>
+          </a:ln>
+        </p:spPr>
+        <p:style>
+          <a:lnRef idx="2">
+            <a:schemeClr val="accent1">
+              <a:shade val="50000"/>
+            </a:schemeClr>
+          </a:lnRef>
+          <a:fillRef idx="1">
+            <a:schemeClr val="accent1"/>
+          </a:fillRef>
+          <a:effectRef idx="0">
+            <a:schemeClr val="accent1"/>
+          </a:effectRef>
+          <a:fontRef idx="minor">
+            <a:schemeClr val="lt1"/>
+          </a:fontRef>
+        </p:style>
       </p:sp>
     </p:spTree>
     <p:extLst>
       <p:ext uri="{BB962C8B-B14F-4D97-AF65-F5344CB8AC3E}">
-        <p14:creationId xmlns:p14="http://schemas.microsoft.com/office/powerpoint/2010/main" val="2656256652"/>
+        <p14:creationId xmlns:p14="http://schemas.microsoft.com/office/powerpoint/2010/main" val="2061913752"/>
       </p:ext>
     </p:extLst>
   </p:cSld>
@@ -4310,9 +5056,40 @@
 </p:sld>
 </file>
 
-<file path=ppt/slides/slide3.xml><?xml version="1.0" encoding="utf-8"?>
+<file path=ppt/slides/slide12.xml><?xml version="1.0" encoding="utf-8"?>
 <p:sld xmlns:a="http://schemas.openxmlformats.org/drawingml/2006/main" xmlns:r="http://schemas.openxmlformats.org/officeDocument/2006/relationships" xmlns:p="http://schemas.openxmlformats.org/presentationml/2006/main">
   <p:cSld>
+    <p:bg>
+      <p:bgPr>
+        <a:gradFill rotWithShape="1">
+          <a:gsLst>
+            <a:gs pos="0">
+              <a:schemeClr val="bg1">
+                <a:tint val="96000"/>
+                <a:shade val="99000"/>
+                <a:satMod val="140000"/>
+              </a:schemeClr>
+            </a:gs>
+            <a:gs pos="65000">
+              <a:schemeClr val="bg1">
+                <a:tint val="100000"/>
+                <a:shade val="80000"/>
+                <a:satMod val="130000"/>
+              </a:schemeClr>
+            </a:gs>
+            <a:gs pos="100000">
+              <a:schemeClr val="bg1">
+                <a:tint val="100000"/>
+                <a:shade val="48000"/>
+                <a:satMod val="120000"/>
+              </a:schemeClr>
+            </a:gs>
+          </a:gsLst>
+          <a:lin ang="16200000" scaled="0"/>
+        </a:gradFill>
+        <a:effectLst/>
+      </p:bgPr>
+    </p:bg>
     <p:spTree>
       <p:nvGrpSpPr>
         <p:cNvPr id="1" name=""/>
@@ -4329,10 +5106,180 @@
       </p:grpSpPr>
       <p:sp>
         <p:nvSpPr>
+          <p:cNvPr id="7" name="Rectangle 6">
+            <a:extLst>
+              <a:ext uri="{FF2B5EF4-FFF2-40B4-BE49-F238E27FC236}">
+                <a16:creationId xmlns:a16="http://schemas.microsoft.com/office/drawing/2014/main" id="{39E3965E-AC41-4711-9D10-E25ABB132D86}"/>
+              </a:ext>
+              <a:ext uri="{C183D7F6-B498-43B3-948B-1728B52AA6E4}">
+                <adec:decorative xmlns:adec="http://schemas.microsoft.com/office/drawing/2017/decorative" val="1"/>
+              </a:ext>
+            </a:extLst>
+          </p:cNvPr>
+          <p:cNvSpPr>
+            <a:spLocks noGrp="1" noRot="1" noChangeAspect="1" noMove="1" noResize="1" noEditPoints="1" noAdjustHandles="1" noChangeArrowheads="1" noChangeShapeType="1" noTextEdit="1"/>
+          </p:cNvSpPr>
+          <p:nvPr>
+            <p:extLst>
+              <p:ext uri="{386F3935-93C4-4BCD-93E2-E3B085C9AB24}">
+                <p16:designElem xmlns:p16="http://schemas.microsoft.com/office/powerpoint/2015/main" val="1"/>
+              </p:ext>
+            </p:extLst>
+          </p:nvPr>
+        </p:nvSpPr>
+        <p:spPr>
+          <a:xfrm>
+            <a:off x="3175" y="6400800"/>
+            <a:ext cx="12188825" cy="457200"/>
+          </a:xfrm>
+          <a:prstGeom prst="rect">
+            <a:avLst/>
+          </a:prstGeom>
+          <a:solidFill>
+            <a:srgbClr val="262626"/>
+          </a:solidFill>
+          <a:ln>
+            <a:noFill/>
+          </a:ln>
+        </p:spPr>
+        <p:style>
+          <a:lnRef idx="2">
+            <a:schemeClr val="accent1">
+              <a:shade val="50000"/>
+            </a:schemeClr>
+          </a:lnRef>
+          <a:fillRef idx="1">
+            <a:schemeClr val="accent1"/>
+          </a:fillRef>
+          <a:effectRef idx="0">
+            <a:schemeClr val="accent1"/>
+          </a:effectRef>
+          <a:fontRef idx="minor">
+            <a:schemeClr val="lt1"/>
+          </a:fontRef>
+        </p:style>
+      </p:sp>
+      <p:cxnSp>
+        <p:nvCxnSpPr>
+          <p:cNvPr id="9" name="Straight Connector 8">
+            <a:extLst>
+              <a:ext uri="{FF2B5EF4-FFF2-40B4-BE49-F238E27FC236}">
+                <a16:creationId xmlns:a16="http://schemas.microsoft.com/office/drawing/2014/main" id="{1F5DC8C3-BA5F-4EED-BB9A-A14272BD82A1}"/>
+              </a:ext>
+              <a:ext uri="{C183D7F6-B498-43B3-948B-1728B52AA6E4}">
+                <adec:decorative xmlns:adec="http://schemas.microsoft.com/office/drawing/2017/decorative" val="1"/>
+              </a:ext>
+            </a:extLst>
+          </p:cNvPr>
+          <p:cNvCxnSpPr>
+            <a:cxnSpLocks noGrp="1" noRot="1" noChangeAspect="1" noMove="1" noResize="1" noEditPoints="1" noAdjustHandles="1" noChangeArrowheads="1" noChangeShapeType="1"/>
+          </p:cNvCxnSpPr>
+          <p:nvPr>
+            <p:extLst>
+              <p:ext uri="{386F3935-93C4-4BCD-93E2-E3B085C9AB24}">
+                <p16:designElem xmlns:p16="http://schemas.microsoft.com/office/powerpoint/2015/main" val="1"/>
+              </p:ext>
+            </p:extLst>
+          </p:nvPr>
+        </p:nvCxnSpPr>
+        <p:spPr>
+          <a:xfrm>
+            <a:off x="1207658" y="4474741"/>
+            <a:ext cx="9875520" cy="0"/>
+          </a:xfrm>
+          <a:prstGeom prst="line">
+            <a:avLst/>
+          </a:prstGeom>
+          <a:ln w="12700">
+            <a:solidFill>
+              <a:schemeClr val="tx1">
+                <a:lumMod val="75000"/>
+                <a:lumOff val="25000"/>
+              </a:schemeClr>
+            </a:solidFill>
+          </a:ln>
+        </p:spPr>
+        <p:style>
+          <a:lnRef idx="1">
+            <a:schemeClr val="accent1"/>
+          </a:lnRef>
+          <a:fillRef idx="0">
+            <a:schemeClr val="accent1"/>
+          </a:fillRef>
+          <a:effectRef idx="0">
+            <a:schemeClr val="accent1"/>
+          </a:effectRef>
+          <a:fontRef idx="minor">
+            <a:schemeClr val="tx1"/>
+          </a:fontRef>
+        </p:style>
+      </p:cxnSp>
+      <p:sp useBgFill="1">
+        <p:nvSpPr>
+          <p:cNvPr id="11" name="Rectangle 10">
+            <a:extLst>
+              <a:ext uri="{FF2B5EF4-FFF2-40B4-BE49-F238E27FC236}">
+                <a16:creationId xmlns:a16="http://schemas.microsoft.com/office/drawing/2014/main" id="{8C6E698C-8155-4B8B-BDC9-B7299772B509}"/>
+              </a:ext>
+              <a:ext uri="{C183D7F6-B498-43B3-948B-1728B52AA6E4}">
+                <adec:decorative xmlns:adec="http://schemas.microsoft.com/office/drawing/2017/decorative" val="1"/>
+              </a:ext>
+            </a:extLst>
+          </p:cNvPr>
+          <p:cNvSpPr>
+            <a:spLocks noGrp="1" noRot="1" noChangeAspect="1" noMove="1" noResize="1" noEditPoints="1" noAdjustHandles="1" noChangeArrowheads="1" noChangeShapeType="1" noTextEdit="1"/>
+          </p:cNvSpPr>
+          <p:nvPr>
+            <p:extLst>
+              <p:ext uri="{386F3935-93C4-4BCD-93E2-E3B085C9AB24}">
+                <p16:designElem xmlns:p16="http://schemas.microsoft.com/office/powerpoint/2015/main" val="1"/>
+              </p:ext>
+            </p:extLst>
+          </p:nvPr>
+        </p:nvSpPr>
+        <p:spPr>
+          <a:xfrm>
+            <a:off x="0" y="0"/>
+            <a:ext cx="12188952" cy="6858000"/>
+          </a:xfrm>
+          <a:prstGeom prst="rect">
+            <a:avLst/>
+          </a:prstGeom>
+          <a:ln>
+            <a:noFill/>
+          </a:ln>
+        </p:spPr>
+        <p:style>
+          <a:lnRef idx="2">
+            <a:schemeClr val="accent1">
+              <a:shade val="50000"/>
+            </a:schemeClr>
+          </a:lnRef>
+          <a:fillRef idx="1">
+            <a:schemeClr val="accent1"/>
+          </a:fillRef>
+          <a:effectRef idx="0">
+            <a:schemeClr val="accent1"/>
+          </a:effectRef>
+          <a:fontRef idx="minor">
+            <a:schemeClr val="lt1"/>
+          </a:fontRef>
+        </p:style>
+        <p:txBody>
+          <a:bodyPr rtlCol="0" anchor="ctr"/>
+          <a:lstStyle/>
+          <a:p>
+            <a:pPr algn="ctr"/>
+            <a:endParaRPr lang="en-US"/>
+          </a:p>
+        </p:txBody>
+      </p:sp>
+      <p:sp>
+        <p:nvSpPr>
           <p:cNvPr id="2" name="Title 1">
             <a:extLst>
               <a:ext uri="{FF2B5EF4-FFF2-40B4-BE49-F238E27FC236}">
-                <a16:creationId xmlns:a16="http://schemas.microsoft.com/office/drawing/2014/main" id="{5FCF8246-3FF5-D422-0D16-EA6344CF9241}"/>
+                <a16:creationId xmlns:a16="http://schemas.microsoft.com/office/drawing/2014/main" id="{645DB37B-C0B5-B77E-C231-FE083428EB76}"/>
               </a:ext>
             </a:extLst>
           </p:cNvPr>
@@ -4343,96 +5290,171 @@
             <p:ph type="title"/>
           </p:nvPr>
         </p:nvSpPr>
-        <p:spPr/>
-        <p:txBody>
-          <a:bodyPr/>
+        <p:spPr>
+          <a:xfrm>
+            <a:off x="965201" y="643467"/>
+            <a:ext cx="6255026" cy="5054008"/>
+          </a:xfrm>
+        </p:spPr>
+        <p:txBody>
+          <a:bodyPr vert="horz" lIns="91440" tIns="45720" rIns="91440" bIns="45720" rtlCol="0" anchor="ctr">
+            <a:normAutofit/>
+          </a:bodyPr>
           <a:lstStyle/>
           <a:p>
-            <a:r>
-              <a:rPr lang="en-US" dirty="0"/>
-              <a:t>Outline</a:t>
-            </a:r>
-          </a:p>
-        </p:txBody>
-      </p:sp>
-      <p:sp>
-        <p:nvSpPr>
-          <p:cNvPr id="3" name="Content Placeholder 2">
-            <a:extLst>
-              <a:ext uri="{FF2B5EF4-FFF2-40B4-BE49-F238E27FC236}">
-                <a16:creationId xmlns:a16="http://schemas.microsoft.com/office/drawing/2014/main" id="{E4FC921C-FE9C-C4C5-7E81-0703D5A07D19}"/>
-              </a:ext>
-            </a:extLst>
-          </p:cNvPr>
-          <p:cNvSpPr>
-            <a:spLocks noGrp="1"/>
-          </p:cNvSpPr>
-          <p:nvPr>
-            <p:ph idx="1"/>
-          </p:nvPr>
-        </p:nvSpPr>
-        <p:spPr/>
-        <p:txBody>
-          <a:bodyPr/>
-          <a:lstStyle/>
-          <a:p>
-            <a:pPr>
-              <a:buFont typeface="Arial" panose="020B0604020202020204" pitchFamily="34" charset="0"/>
-              <a:buChar char="•"/>
+            <a:pPr algn="r">
+              <a:lnSpc>
+                <a:spcPct val="90000"/>
+              </a:lnSpc>
             </a:pPr>
             <a:r>
-              <a:rPr lang="en-US" dirty="0"/>
-              <a:t> Business Problem</a:t>
-            </a:r>
-          </a:p>
-          <a:p>
-            <a:pPr>
-              <a:buFont typeface="Arial" panose="020B0604020202020204" pitchFamily="34" charset="0"/>
-              <a:buChar char="•"/>
-            </a:pPr>
-            <a:r>
-              <a:rPr lang="en-US" dirty="0"/>
-              <a:t> Data </a:t>
-            </a:r>
-          </a:p>
-          <a:p>
-            <a:pPr>
-              <a:buFont typeface="Arial" panose="020B0604020202020204" pitchFamily="34" charset="0"/>
-              <a:buChar char="•"/>
-            </a:pPr>
-            <a:r>
-              <a:rPr lang="en-US" dirty="0"/>
-              <a:t> Results</a:t>
-            </a:r>
-          </a:p>
-          <a:p>
-            <a:pPr>
-              <a:buFont typeface="Arial" panose="020B0604020202020204" pitchFamily="34" charset="0"/>
-              <a:buChar char="•"/>
-            </a:pPr>
-            <a:r>
-              <a:rPr lang="en-US" dirty="0"/>
-              <a:t> Conclusions</a:t>
-            </a:r>
-          </a:p>
-        </p:txBody>
+              <a:rPr lang="en-US" sz="8000">
+                <a:solidFill>
+                  <a:schemeClr val="tx1">
+                    <a:lumMod val="85000"/>
+                    <a:lumOff val="15000"/>
+                  </a:schemeClr>
+                </a:solidFill>
+              </a:rPr>
+              <a:t>Thank You!</a:t>
+            </a:r>
+          </a:p>
+        </p:txBody>
+      </p:sp>
+      <p:cxnSp>
+        <p:nvCxnSpPr>
+          <p:cNvPr id="13" name="Straight Connector 12">
+            <a:extLst>
+              <a:ext uri="{FF2B5EF4-FFF2-40B4-BE49-F238E27FC236}">
+                <a16:creationId xmlns:a16="http://schemas.microsoft.com/office/drawing/2014/main" id="{09525C9A-1972-4836-BA7A-706C946EF4DA}"/>
+              </a:ext>
+              <a:ext uri="{C183D7F6-B498-43B3-948B-1728B52AA6E4}">
+                <adec:decorative xmlns:adec="http://schemas.microsoft.com/office/drawing/2017/decorative" val="1"/>
+              </a:ext>
+            </a:extLst>
+          </p:cNvPr>
+          <p:cNvCxnSpPr>
+            <a:cxnSpLocks noGrp="1" noRot="1" noChangeAspect="1" noMove="1" noResize="1" noEditPoints="1" noAdjustHandles="1" noChangeArrowheads="1" noChangeShapeType="1"/>
+          </p:cNvCxnSpPr>
+          <p:nvPr>
+            <p:extLst>
+              <p:ext uri="{386F3935-93C4-4BCD-93E2-E3B085C9AB24}">
+                <p16:designElem xmlns:p16="http://schemas.microsoft.com/office/powerpoint/2015/main" val="1"/>
+              </p:ext>
+            </p:extLst>
+          </p:nvPr>
+        </p:nvCxnSpPr>
+        <p:spPr>
+          <a:xfrm>
+            <a:off x="7534656" y="1391367"/>
+            <a:ext cx="0" cy="3558208"/>
+          </a:xfrm>
+          <a:prstGeom prst="line">
+            <a:avLst/>
+          </a:prstGeom>
+          <a:ln>
+            <a:solidFill>
+              <a:schemeClr val="tx1">
+                <a:lumMod val="75000"/>
+                <a:lumOff val="25000"/>
+              </a:schemeClr>
+            </a:solidFill>
+          </a:ln>
+        </p:spPr>
+        <p:style>
+          <a:lnRef idx="1">
+            <a:schemeClr val="accent1"/>
+          </a:lnRef>
+          <a:fillRef idx="0">
+            <a:schemeClr val="accent1"/>
+          </a:fillRef>
+          <a:effectRef idx="0">
+            <a:schemeClr val="accent1"/>
+          </a:effectRef>
+          <a:fontRef idx="minor">
+            <a:schemeClr val="tx1"/>
+          </a:fontRef>
+        </p:style>
+      </p:cxnSp>
+      <p:sp>
+        <p:nvSpPr>
+          <p:cNvPr id="15" name="Rectangle 14">
+            <a:extLst>
+              <a:ext uri="{FF2B5EF4-FFF2-40B4-BE49-F238E27FC236}">
+                <a16:creationId xmlns:a16="http://schemas.microsoft.com/office/drawing/2014/main" id="{B624C8D3-B9AD-4F4F-8554-4EAF3724DBCE}"/>
+              </a:ext>
+              <a:ext uri="{C183D7F6-B498-43B3-948B-1728B52AA6E4}">
+                <adec:decorative xmlns:adec="http://schemas.microsoft.com/office/drawing/2017/decorative" val="1"/>
+              </a:ext>
+            </a:extLst>
+          </p:cNvPr>
+          <p:cNvSpPr>
+            <a:spLocks noGrp="1" noRot="1" noChangeAspect="1" noMove="1" noResize="1" noEditPoints="1" noAdjustHandles="1" noChangeArrowheads="1" noChangeShapeType="1" noTextEdit="1"/>
+          </p:cNvSpPr>
+          <p:nvPr>
+            <p:extLst>
+              <p:ext uri="{386F3935-93C4-4BCD-93E2-E3B085C9AB24}">
+                <p16:designElem xmlns:p16="http://schemas.microsoft.com/office/powerpoint/2015/main" val="1"/>
+              </p:ext>
+            </p:extLst>
+          </p:nvPr>
+        </p:nvSpPr>
+        <p:spPr>
+          <a:xfrm>
+            <a:off x="3175" y="6400800"/>
+            <a:ext cx="12188825" cy="457200"/>
+          </a:xfrm>
+          <a:prstGeom prst="rect">
+            <a:avLst/>
+          </a:prstGeom>
+          <a:solidFill>
+            <a:srgbClr val="262626"/>
+          </a:solidFill>
+          <a:ln>
+            <a:noFill/>
+          </a:ln>
+        </p:spPr>
+        <p:style>
+          <a:lnRef idx="2">
+            <a:schemeClr val="accent1">
+              <a:shade val="50000"/>
+            </a:schemeClr>
+          </a:lnRef>
+          <a:fillRef idx="1">
+            <a:schemeClr val="accent1"/>
+          </a:fillRef>
+          <a:effectRef idx="0">
+            <a:schemeClr val="accent1"/>
+          </a:effectRef>
+          <a:fontRef idx="minor">
+            <a:schemeClr val="lt1"/>
+          </a:fontRef>
+        </p:style>
       </p:sp>
     </p:spTree>
     <p:extLst>
       <p:ext uri="{BB962C8B-B14F-4D97-AF65-F5344CB8AC3E}">
-        <p14:creationId xmlns:p14="http://schemas.microsoft.com/office/powerpoint/2010/main" val="895860336"/>
+        <p14:creationId xmlns:p14="http://schemas.microsoft.com/office/powerpoint/2010/main" val="3358721067"/>
       </p:ext>
     </p:extLst>
   </p:cSld>
   <p:clrMapOvr>
-    <a:masterClrMapping/>
+    <a:overrideClrMapping bg1="dk1" tx1="lt1" bg2="dk2" tx2="lt2" accent1="accent1" accent2="accent2" accent3="accent3" accent4="accent4" accent5="accent5" accent6="accent6" hlink="hlink" folHlink="folHlink"/>
   </p:clrMapOvr>
 </p:sld>
 </file>
 
-<file path=ppt/slides/slide4.xml><?xml version="1.0" encoding="utf-8"?>
+<file path=ppt/slides/slide2.xml><?xml version="1.0" encoding="utf-8"?>
 <p:sld xmlns:a="http://schemas.openxmlformats.org/drawingml/2006/main" xmlns:r="http://schemas.openxmlformats.org/officeDocument/2006/relationships" xmlns:p="http://schemas.openxmlformats.org/presentationml/2006/main">
   <p:cSld>
+    <p:bg>
+      <p:bgPr>
+        <a:solidFill>
+          <a:schemeClr val="bg1"/>
+        </a:solidFill>
+        <a:effectLst/>
+      </p:bgPr>
+    </p:bg>
     <p:spTree>
       <p:nvGrpSpPr>
         <p:cNvPr id="1" name=""/>
@@ -4447,6 +5469,97 @@
           <a:chExt cx="0" cy="0"/>
         </a:xfrm>
       </p:grpSpPr>
+      <p:sp useBgFill="1">
+        <p:nvSpPr>
+          <p:cNvPr id="9" name="Rectangle 8">
+            <a:extLst>
+              <a:ext uri="{FF2B5EF4-FFF2-40B4-BE49-F238E27FC236}">
+                <a16:creationId xmlns:a16="http://schemas.microsoft.com/office/drawing/2014/main" id="{B0E58038-8ACE-4AD9-B404-25C603550D83}"/>
+              </a:ext>
+              <a:ext uri="{C183D7F6-B498-43B3-948B-1728B52AA6E4}">
+                <adec:decorative xmlns:adec="http://schemas.microsoft.com/office/drawing/2017/decorative" val="1"/>
+              </a:ext>
+            </a:extLst>
+          </p:cNvPr>
+          <p:cNvSpPr>
+            <a:spLocks noGrp="1" noRot="1" noChangeAspect="1" noMove="1" noResize="1" noEditPoints="1" noAdjustHandles="1" noChangeArrowheads="1" noChangeShapeType="1" noTextEdit="1"/>
+          </p:cNvSpPr>
+          <p:nvPr>
+            <p:extLst>
+              <p:ext uri="{386F3935-93C4-4BCD-93E2-E3B085C9AB24}">
+                <p16:designElem xmlns:p16="http://schemas.microsoft.com/office/powerpoint/2015/main" val="1"/>
+              </p:ext>
+            </p:extLst>
+          </p:nvPr>
+        </p:nvSpPr>
+        <p:spPr>
+          <a:xfrm>
+            <a:off x="0" y="0"/>
+            <a:ext cx="12191999" cy="6858000"/>
+          </a:xfrm>
+          <a:prstGeom prst="rect">
+            <a:avLst/>
+          </a:prstGeom>
+          <a:ln>
+            <a:noFill/>
+          </a:ln>
+        </p:spPr>
+        <p:style>
+          <a:lnRef idx="2">
+            <a:schemeClr val="accent1">
+              <a:shade val="50000"/>
+            </a:schemeClr>
+          </a:lnRef>
+          <a:fillRef idx="1">
+            <a:schemeClr val="accent1"/>
+          </a:fillRef>
+          <a:effectRef idx="0">
+            <a:schemeClr val="accent1"/>
+          </a:effectRef>
+          <a:fontRef idx="minor">
+            <a:schemeClr val="lt1"/>
+          </a:fontRef>
+        </p:style>
+        <p:txBody>
+          <a:bodyPr rtlCol="0" anchor="ctr"/>
+          <a:lstStyle/>
+          <a:p>
+            <a:pPr algn="ctr"/>
+            <a:endParaRPr lang="en-US"/>
+          </a:p>
+        </p:txBody>
+      </p:sp>
+      <p:pic>
+        <p:nvPicPr>
+          <p:cNvPr id="5" name="Picture 4" descr="Film reel and slate">
+            <a:extLst>
+              <a:ext uri="{FF2B5EF4-FFF2-40B4-BE49-F238E27FC236}">
+                <a16:creationId xmlns:a16="http://schemas.microsoft.com/office/drawing/2014/main" id="{FACFA0BC-01D6-8A97-00A6-AA03EA2B1A17}"/>
+              </a:ext>
+            </a:extLst>
+          </p:cNvPr>
+          <p:cNvPicPr>
+            <a:picLocks noChangeAspect="1"/>
+          </p:cNvPicPr>
+          <p:nvPr/>
+        </p:nvPicPr>
+        <p:blipFill rotWithShape="1">
+          <a:blip r:embed="rId2">
+            <a:alphaModFix amt="35000"/>
+          </a:blip>
+          <a:srcRect t="12496" b="3234"/>
+          <a:stretch/>
+        </p:blipFill>
+        <p:spPr>
+          <a:xfrm>
+            <a:off x="20" y="10"/>
+            <a:ext cx="12191980" cy="6857990"/>
+          </a:xfrm>
+          <a:prstGeom prst="rect">
+            <a:avLst/>
+          </a:prstGeom>
+        </p:spPr>
+      </p:pic>
       <p:sp>
         <p:nvSpPr>
           <p:cNvPr id="2" name="Title 1">
@@ -4463,9 +5576,16 @@
             <p:ph type="title"/>
           </p:nvPr>
         </p:nvSpPr>
-        <p:spPr/>
-        <p:txBody>
-          <a:bodyPr/>
+        <p:spPr>
+          <a:xfrm>
+            <a:off x="1097280" y="286603"/>
+            <a:ext cx="10058400" cy="1450757"/>
+          </a:xfrm>
+        </p:spPr>
+        <p:txBody>
+          <a:bodyPr>
+            <a:normAutofit/>
+          </a:bodyPr>
           <a:lstStyle/>
           <a:p>
             <a:r>
@@ -4475,6 +5595,58 @@
           </a:p>
         </p:txBody>
       </p:sp>
+      <p:cxnSp>
+        <p:nvCxnSpPr>
+          <p:cNvPr id="11" name="Straight Connector 10">
+            <a:extLst>
+              <a:ext uri="{FF2B5EF4-FFF2-40B4-BE49-F238E27FC236}">
+                <a16:creationId xmlns:a16="http://schemas.microsoft.com/office/drawing/2014/main" id="{38A34772-9011-42B5-AA63-FD6DEC92EE72}"/>
+              </a:ext>
+              <a:ext uri="{C183D7F6-B498-43B3-948B-1728B52AA6E4}">
+                <adec:decorative xmlns:adec="http://schemas.microsoft.com/office/drawing/2017/decorative" val="1"/>
+              </a:ext>
+            </a:extLst>
+          </p:cNvPr>
+          <p:cNvCxnSpPr>
+            <a:cxnSpLocks noGrp="1" noRot="1" noChangeAspect="1" noMove="1" noResize="1" noEditPoints="1" noAdjustHandles="1" noChangeArrowheads="1" noChangeShapeType="1"/>
+          </p:cNvCxnSpPr>
+          <p:nvPr>
+            <p:extLst>
+              <p:ext uri="{386F3935-93C4-4BCD-93E2-E3B085C9AB24}">
+                <p16:designElem xmlns:p16="http://schemas.microsoft.com/office/powerpoint/2015/main" val="1"/>
+              </p:ext>
+            </p:extLst>
+          </p:nvPr>
+        </p:nvCxnSpPr>
+        <p:spPr>
+          <a:xfrm>
+            <a:off x="1193532" y="1910746"/>
+            <a:ext cx="9966960" cy="0"/>
+          </a:xfrm>
+          <a:prstGeom prst="line">
+            <a:avLst/>
+          </a:prstGeom>
+          <a:ln w="12700">
+            <a:solidFill>
+              <a:schemeClr val="tx1"/>
+            </a:solidFill>
+          </a:ln>
+        </p:spPr>
+        <p:style>
+          <a:lnRef idx="1">
+            <a:schemeClr val="accent1"/>
+          </a:lnRef>
+          <a:fillRef idx="0">
+            <a:schemeClr val="accent1"/>
+          </a:fillRef>
+          <a:effectRef idx="0">
+            <a:schemeClr val="accent1"/>
+          </a:effectRef>
+          <a:fontRef idx="minor">
+            <a:schemeClr val="tx1"/>
+          </a:fontRef>
+        </p:style>
+      </p:cxnSp>
       <p:sp>
         <p:nvSpPr>
           <p:cNvPr id="3" name="Content Placeholder 2">
@@ -4491,9 +5663,16 @@
             <p:ph idx="1"/>
           </p:nvPr>
         </p:nvSpPr>
-        <p:spPr/>
-        <p:txBody>
-          <a:bodyPr/>
+        <p:spPr>
+          <a:xfrm>
+            <a:off x="1097280" y="2108201"/>
+            <a:ext cx="10058400" cy="3760891"/>
+          </a:xfrm>
+        </p:spPr>
+        <p:txBody>
+          <a:bodyPr>
+            <a:normAutofit/>
+          </a:bodyPr>
           <a:lstStyle/>
           <a:p>
             <a:pPr>
@@ -4502,8 +5681,14 @@
             </a:pPr>
             <a:r>
               <a:rPr lang="en-US" dirty="0"/>
-              <a:t> Know the effective start budget</a:t>
-            </a:r>
+              <a:t>Microsoft wants to create original video content, just as other big companies. Their way forward was to create a new movie studio, but they don't know how to make movies.</a:t>
+            </a:r>
+          </a:p>
+          <a:p>
+            <a:pPr marL="0" indent="0">
+              <a:buNone/>
+            </a:pPr>
+            <a:endParaRPr lang="en-US" dirty="0"/>
           </a:p>
           <a:p>
             <a:pPr>
@@ -4512,20 +5697,67 @@
             </a:pPr>
             <a:r>
               <a:rPr lang="en-US" dirty="0"/>
-              <a:t> Find the target audience genre</a:t>
-            </a:r>
-          </a:p>
-          <a:p>
-            <a:pPr>
-              <a:buFont typeface="Wingdings" panose="05000000000000000000" pitchFamily="2" charset="2"/>
-              <a:buChar char="§"/>
-            </a:pPr>
-            <a:r>
-              <a:rPr lang="en-US" dirty="0"/>
-              <a:t> Find the movie popularity standard</a:t>
-            </a:r>
-          </a:p>
-        </p:txBody>
+              <a:t>Unfortunately, if they can not make the studio to appeal to an audience, then Microsoft may lose a potential area to gain customers and overall regular customers due to its inability to adapt to new media.</a:t>
+            </a:r>
+          </a:p>
+        </p:txBody>
+      </p:sp>
+      <p:sp>
+        <p:nvSpPr>
+          <p:cNvPr id="13" name="Rectangle 12">
+            <a:extLst>
+              <a:ext uri="{FF2B5EF4-FFF2-40B4-BE49-F238E27FC236}">
+                <a16:creationId xmlns:a16="http://schemas.microsoft.com/office/drawing/2014/main" id="{82BCDE19-2810-4337-9C49-8589C421767D}"/>
+              </a:ext>
+              <a:ext uri="{C183D7F6-B498-43B3-948B-1728B52AA6E4}">
+                <adec:decorative xmlns:adec="http://schemas.microsoft.com/office/drawing/2017/decorative" val="1"/>
+              </a:ext>
+            </a:extLst>
+          </p:cNvPr>
+          <p:cNvSpPr>
+            <a:spLocks noGrp="1" noRot="1" noChangeAspect="1" noMove="1" noResize="1" noEditPoints="1" noAdjustHandles="1" noChangeArrowheads="1" noChangeShapeType="1" noTextEdit="1"/>
+          </p:cNvSpPr>
+          <p:nvPr>
+            <p:extLst>
+              <p:ext uri="{386F3935-93C4-4BCD-93E2-E3B085C9AB24}">
+                <p16:designElem xmlns:p16="http://schemas.microsoft.com/office/powerpoint/2015/main" val="1"/>
+              </p:ext>
+            </p:extLst>
+          </p:nvPr>
+        </p:nvSpPr>
+        <p:spPr>
+          <a:xfrm>
+            <a:off x="1" y="6400800"/>
+            <a:ext cx="12192000" cy="457200"/>
+          </a:xfrm>
+          <a:prstGeom prst="rect">
+            <a:avLst/>
+          </a:prstGeom>
+          <a:solidFill>
+            <a:srgbClr val="262626">
+              <a:alpha val="95000"/>
+            </a:srgbClr>
+          </a:solidFill>
+          <a:ln>
+            <a:noFill/>
+          </a:ln>
+        </p:spPr>
+        <p:style>
+          <a:lnRef idx="2">
+            <a:schemeClr val="accent1">
+              <a:shade val="50000"/>
+            </a:schemeClr>
+          </a:lnRef>
+          <a:fillRef idx="1">
+            <a:schemeClr val="accent1"/>
+          </a:fillRef>
+          <a:effectRef idx="0">
+            <a:schemeClr val="accent1"/>
+          </a:effectRef>
+          <a:fontRef idx="minor">
+            <a:schemeClr val="lt1"/>
+          </a:fontRef>
+        </p:style>
       </p:sp>
     </p:spTree>
     <p:extLst>
@@ -4535,14 +5767,22 @@
     </p:extLst>
   </p:cSld>
   <p:clrMapOvr>
-    <a:masterClrMapping/>
+    <a:overrideClrMapping bg1="dk1" tx1="lt1" bg2="dk2" tx2="lt2" accent1="accent1" accent2="accent2" accent3="accent3" accent4="accent4" accent5="accent5" accent6="accent6" hlink="hlink" folHlink="folHlink"/>
   </p:clrMapOvr>
 </p:sld>
 </file>
 
-<file path=ppt/slides/slide5.xml><?xml version="1.0" encoding="utf-8"?>
+<file path=ppt/slides/slide3.xml><?xml version="1.0" encoding="utf-8"?>
 <p:sld xmlns:a="http://schemas.openxmlformats.org/drawingml/2006/main" xmlns:r="http://schemas.openxmlformats.org/officeDocument/2006/relationships" xmlns:p="http://schemas.openxmlformats.org/presentationml/2006/main">
   <p:cSld>
+    <p:bg>
+      <p:bgPr>
+        <a:solidFill>
+          <a:schemeClr val="bg1"/>
+        </a:solidFill>
+        <a:effectLst/>
+      </p:bgPr>
+    </p:bg>
     <p:spTree>
       <p:nvGrpSpPr>
         <p:cNvPr id="1" name=""/>
@@ -4559,6 +5799,61 @@
       </p:grpSpPr>
       <p:sp>
         <p:nvSpPr>
+          <p:cNvPr id="9" name="Rectangle 8">
+            <a:extLst>
+              <a:ext uri="{FF2B5EF4-FFF2-40B4-BE49-F238E27FC236}">
+                <a16:creationId xmlns:a16="http://schemas.microsoft.com/office/drawing/2014/main" id="{E844E128-FF69-4E9F-8327-6B504B3C5AE1}"/>
+              </a:ext>
+              <a:ext uri="{C183D7F6-B498-43B3-948B-1728B52AA6E4}">
+                <adec:decorative xmlns:adec="http://schemas.microsoft.com/office/drawing/2017/decorative" val="1"/>
+              </a:ext>
+            </a:extLst>
+          </p:cNvPr>
+          <p:cNvSpPr>
+            <a:spLocks noGrp="1" noRot="1" noChangeAspect="1" noMove="1" noResize="1" noEditPoints="1" noAdjustHandles="1" noChangeArrowheads="1" noChangeShapeType="1" noTextEdit="1"/>
+          </p:cNvSpPr>
+          <p:nvPr>
+            <p:extLst>
+              <p:ext uri="{386F3935-93C4-4BCD-93E2-E3B085C9AB24}">
+                <p16:designElem xmlns:p16="http://schemas.microsoft.com/office/powerpoint/2015/main" val="1"/>
+              </p:ext>
+            </p:extLst>
+          </p:nvPr>
+        </p:nvSpPr>
+        <p:spPr bwMode="white">
+          <a:xfrm>
+            <a:off x="15" y="0"/>
+            <a:ext cx="12191985" cy="6858000"/>
+          </a:xfrm>
+          <a:prstGeom prst="rect">
+            <a:avLst/>
+          </a:prstGeom>
+          <a:solidFill>
+            <a:srgbClr val="262626"/>
+          </a:solidFill>
+          <a:ln>
+            <a:noFill/>
+          </a:ln>
+        </p:spPr>
+        <p:style>
+          <a:lnRef idx="2">
+            <a:schemeClr val="accent1">
+              <a:shade val="50000"/>
+            </a:schemeClr>
+          </a:lnRef>
+          <a:fillRef idx="1">
+            <a:schemeClr val="accent1"/>
+          </a:fillRef>
+          <a:effectRef idx="0">
+            <a:schemeClr val="accent1"/>
+          </a:effectRef>
+          <a:fontRef idx="minor">
+            <a:schemeClr val="lt1"/>
+          </a:fontRef>
+        </p:style>
+      </p:sp>
+      <p:sp>
+        <p:nvSpPr>
           <p:cNvPr id="2" name="Title 1">
             <a:extLst>
               <a:ext uri="{FF2B5EF4-FFF2-40B4-BE49-F238E27FC236}">
@@ -4573,18 +5868,81 @@
             <p:ph type="title"/>
           </p:nvPr>
         </p:nvSpPr>
-        <p:spPr/>
-        <p:txBody>
-          <a:bodyPr/>
+        <p:spPr>
+          <a:xfrm>
+            <a:off x="1097280" y="516835"/>
+            <a:ext cx="5977937" cy="1666501"/>
+          </a:xfrm>
+        </p:spPr>
+        <p:txBody>
+          <a:bodyPr>
+            <a:normAutofit/>
+          </a:bodyPr>
           <a:lstStyle/>
           <a:p>
             <a:r>
-              <a:rPr lang="en-US" dirty="0"/>
+              <a:rPr lang="en-US" sz="4000">
+                <a:solidFill>
+                  <a:srgbClr val="FFFFFF"/>
+                </a:solidFill>
+              </a:rPr>
               <a:t>Solution</a:t>
             </a:r>
           </a:p>
         </p:txBody>
       </p:sp>
+      <p:cxnSp>
+        <p:nvCxnSpPr>
+          <p:cNvPr id="11" name="Straight Connector 10">
+            <a:extLst>
+              <a:ext uri="{FF2B5EF4-FFF2-40B4-BE49-F238E27FC236}">
+                <a16:creationId xmlns:a16="http://schemas.microsoft.com/office/drawing/2014/main" id="{055CEADF-09EA-423C-8C45-F94AF44D5AF0}"/>
+              </a:ext>
+              <a:ext uri="{C183D7F6-B498-43B3-948B-1728B52AA6E4}">
+                <adec:decorative xmlns:adec="http://schemas.microsoft.com/office/drawing/2017/decorative" val="1"/>
+              </a:ext>
+            </a:extLst>
+          </p:cNvPr>
+          <p:cNvCxnSpPr>
+            <a:cxnSpLocks noGrp="1" noRot="1" noChangeAspect="1" noMove="1" noResize="1" noEditPoints="1" noAdjustHandles="1" noChangeArrowheads="1" noChangeShapeType="1"/>
+          </p:cNvCxnSpPr>
+          <p:nvPr>
+            <p:extLst>
+              <p:ext uri="{386F3935-93C4-4BCD-93E2-E3B085C9AB24}">
+                <p16:designElem xmlns:p16="http://schemas.microsoft.com/office/powerpoint/2015/main" val="1"/>
+              </p:ext>
+            </p:extLst>
+          </p:nvPr>
+        </p:nvCxnSpPr>
+        <p:spPr>
+          <a:xfrm>
+            <a:off x="1215896" y="2353592"/>
+            <a:ext cx="5303520" cy="0"/>
+          </a:xfrm>
+          <a:prstGeom prst="line">
+            <a:avLst/>
+          </a:prstGeom>
+          <a:ln w="19050">
+            <a:solidFill>
+              <a:schemeClr val="accent1"/>
+            </a:solidFill>
+          </a:ln>
+        </p:spPr>
+        <p:style>
+          <a:lnRef idx="1">
+            <a:schemeClr val="accent1"/>
+          </a:lnRef>
+          <a:fillRef idx="0">
+            <a:schemeClr val="accent1"/>
+          </a:fillRef>
+          <a:effectRef idx="0">
+            <a:schemeClr val="accent1"/>
+          </a:effectRef>
+          <a:fontRef idx="minor">
+            <a:schemeClr val="tx1"/>
+          </a:fontRef>
+        </p:style>
+      </p:cxnSp>
       <p:sp>
         <p:nvSpPr>
           <p:cNvPr id="3" name="Content Placeholder 2">
@@ -4601,15 +5959,65 @@
             <p:ph idx="1"/>
           </p:nvPr>
         </p:nvSpPr>
-        <p:spPr/>
-        <p:txBody>
-          <a:bodyPr/>
+        <p:spPr>
+          <a:xfrm>
+            <a:off x="1097279" y="2546224"/>
+            <a:ext cx="5977938" cy="3342747"/>
+          </a:xfrm>
+        </p:spPr>
+        <p:txBody>
+          <a:bodyPr>
+            <a:normAutofit/>
+          </a:bodyPr>
           <a:lstStyle/>
           <a:p>
-            <a:endParaRPr lang="en-US" dirty="0"/>
-          </a:p>
-        </p:txBody>
-      </p:sp>
+            <a:r>
+              <a:rPr lang="en-US" sz="1800">
+                <a:solidFill>
+                  <a:srgbClr val="FFFFFF"/>
+                </a:solidFill>
+              </a:rPr>
+              <a:t>Finding the films that are doing the best in the box office, using EDA, then relaying the findings in the potential actions the head of the new studio can use to decide what type of films to create is the main goal.</a:t>
+            </a:r>
+          </a:p>
+          <a:p>
+            <a:endParaRPr lang="en-US" sz="1800">
+              <a:solidFill>
+                <a:srgbClr val="FFFFFF"/>
+              </a:solidFill>
+            </a:endParaRPr>
+          </a:p>
+        </p:txBody>
+      </p:sp>
+      <p:pic>
+        <p:nvPicPr>
+          <p:cNvPr id="5" name="Picture 4" descr="Film reel and slate">
+            <a:extLst>
+              <a:ext uri="{FF2B5EF4-FFF2-40B4-BE49-F238E27FC236}">
+                <a16:creationId xmlns:a16="http://schemas.microsoft.com/office/drawing/2014/main" id="{B8512163-6FFB-9B65-54E6-89B4B06C4E47}"/>
+              </a:ext>
+            </a:extLst>
+          </p:cNvPr>
+          <p:cNvPicPr>
+            <a:picLocks noChangeAspect="1"/>
+          </p:cNvPicPr>
+          <p:nvPr/>
+        </p:nvPicPr>
+        <p:blipFill rotWithShape="1">
+          <a:blip r:embed="rId2"/>
+          <a:srcRect l="17883" r="37537" b="-1"/>
+          <a:stretch/>
+        </p:blipFill>
+        <p:spPr>
+          <a:xfrm>
+            <a:off x="7611902" y="10"/>
+            <a:ext cx="4580097" cy="6857990"/>
+          </a:xfrm>
+          <a:prstGeom prst="rect">
+            <a:avLst/>
+          </a:prstGeom>
+        </p:spPr>
+      </p:pic>
     </p:spTree>
     <p:extLst>
       <p:ext uri="{BB962C8B-B14F-4D97-AF65-F5344CB8AC3E}">
@@ -4618,14 +6026,22 @@
     </p:extLst>
   </p:cSld>
   <p:clrMapOvr>
-    <a:masterClrMapping/>
+    <a:overrideClrMapping bg1="dk1" tx1="lt1" bg2="dk2" tx2="lt2" accent1="accent1" accent2="accent2" accent3="accent3" accent4="accent4" accent5="accent5" accent6="accent6" hlink="hlink" folHlink="folHlink"/>
   </p:clrMapOvr>
 </p:sld>
 </file>
 
-<file path=ppt/slides/slide6.xml><?xml version="1.0" encoding="utf-8"?>
+<file path=ppt/slides/slide4.xml><?xml version="1.0" encoding="utf-8"?>
 <p:sld xmlns:a="http://schemas.openxmlformats.org/drawingml/2006/main" xmlns:r="http://schemas.openxmlformats.org/officeDocument/2006/relationships" xmlns:p="http://schemas.openxmlformats.org/presentationml/2006/main">
   <p:cSld>
+    <p:bg>
+      <p:bgPr>
+        <a:solidFill>
+          <a:schemeClr val="bg1"/>
+        </a:solidFill>
+        <a:effectLst/>
+      </p:bgPr>
+    </p:bg>
     <p:spTree>
       <p:nvGrpSpPr>
         <p:cNvPr id="1" name=""/>
@@ -4642,6 +6058,61 @@
       </p:grpSpPr>
       <p:sp>
         <p:nvSpPr>
+          <p:cNvPr id="9" name="Rectangle 8">
+            <a:extLst>
+              <a:ext uri="{FF2B5EF4-FFF2-40B4-BE49-F238E27FC236}">
+                <a16:creationId xmlns:a16="http://schemas.microsoft.com/office/drawing/2014/main" id="{E844E128-FF69-4E9F-8327-6B504B3C5AE1}"/>
+              </a:ext>
+              <a:ext uri="{C183D7F6-B498-43B3-948B-1728B52AA6E4}">
+                <adec:decorative xmlns:adec="http://schemas.microsoft.com/office/drawing/2017/decorative" val="1"/>
+              </a:ext>
+            </a:extLst>
+          </p:cNvPr>
+          <p:cNvSpPr>
+            <a:spLocks noGrp="1" noRot="1" noChangeAspect="1" noMove="1" noResize="1" noEditPoints="1" noAdjustHandles="1" noChangeArrowheads="1" noChangeShapeType="1" noTextEdit="1"/>
+          </p:cNvSpPr>
+          <p:nvPr>
+            <p:extLst>
+              <p:ext uri="{386F3935-93C4-4BCD-93E2-E3B085C9AB24}">
+                <p16:designElem xmlns:p16="http://schemas.microsoft.com/office/powerpoint/2015/main" val="1"/>
+              </p:ext>
+            </p:extLst>
+          </p:nvPr>
+        </p:nvSpPr>
+        <p:spPr bwMode="white">
+          <a:xfrm>
+            <a:off x="15" y="0"/>
+            <a:ext cx="12191985" cy="6858000"/>
+          </a:xfrm>
+          <a:prstGeom prst="rect">
+            <a:avLst/>
+          </a:prstGeom>
+          <a:solidFill>
+            <a:srgbClr val="262626"/>
+          </a:solidFill>
+          <a:ln>
+            <a:noFill/>
+          </a:ln>
+        </p:spPr>
+        <p:style>
+          <a:lnRef idx="2">
+            <a:schemeClr val="accent1">
+              <a:shade val="50000"/>
+            </a:schemeClr>
+          </a:lnRef>
+          <a:fillRef idx="1">
+            <a:schemeClr val="accent1"/>
+          </a:fillRef>
+          <a:effectRef idx="0">
+            <a:schemeClr val="accent1"/>
+          </a:effectRef>
+          <a:fontRef idx="minor">
+            <a:schemeClr val="lt1"/>
+          </a:fontRef>
+        </p:style>
+      </p:sp>
+      <p:sp>
+        <p:nvSpPr>
           <p:cNvPr id="2" name="Title 1">
             <a:extLst>
               <a:ext uri="{FF2B5EF4-FFF2-40B4-BE49-F238E27FC236}">
@@ -4656,18 +6127,81 @@
             <p:ph type="title"/>
           </p:nvPr>
         </p:nvSpPr>
-        <p:spPr/>
-        <p:txBody>
-          <a:bodyPr/>
+        <p:spPr>
+          <a:xfrm>
+            <a:off x="643467" y="516835"/>
+            <a:ext cx="3448259" cy="1666501"/>
+          </a:xfrm>
+        </p:spPr>
+        <p:txBody>
+          <a:bodyPr>
+            <a:normAutofit/>
+          </a:bodyPr>
           <a:lstStyle/>
           <a:p>
             <a:r>
-              <a:rPr lang="en-US" dirty="0"/>
+              <a:rPr lang="en-US" sz="4000">
+                <a:solidFill>
+                  <a:srgbClr val="FFFFFF"/>
+                </a:solidFill>
+              </a:rPr>
               <a:t>MVP</a:t>
             </a:r>
           </a:p>
         </p:txBody>
       </p:sp>
+      <p:cxnSp>
+        <p:nvCxnSpPr>
+          <p:cNvPr id="11" name="Straight Connector 10">
+            <a:extLst>
+              <a:ext uri="{FF2B5EF4-FFF2-40B4-BE49-F238E27FC236}">
+                <a16:creationId xmlns:a16="http://schemas.microsoft.com/office/drawing/2014/main" id="{055CEADF-09EA-423C-8C45-F94AF44D5AF0}"/>
+              </a:ext>
+              <a:ext uri="{C183D7F6-B498-43B3-948B-1728B52AA6E4}">
+                <adec:decorative xmlns:adec="http://schemas.microsoft.com/office/drawing/2017/decorative" val="1"/>
+              </a:ext>
+            </a:extLst>
+          </p:cNvPr>
+          <p:cNvCxnSpPr>
+            <a:cxnSpLocks noGrp="1" noRot="1" noChangeAspect="1" noMove="1" noResize="1" noEditPoints="1" noAdjustHandles="1" noChangeArrowheads="1" noChangeShapeType="1"/>
+          </p:cNvCxnSpPr>
+          <p:nvPr>
+            <p:extLst>
+              <p:ext uri="{386F3935-93C4-4BCD-93E2-E3B085C9AB24}">
+                <p16:designElem xmlns:p16="http://schemas.microsoft.com/office/powerpoint/2015/main" val="1"/>
+              </p:ext>
+            </p:extLst>
+          </p:nvPr>
+        </p:nvCxnSpPr>
+        <p:spPr>
+          <a:xfrm>
+            <a:off x="723686" y="2353592"/>
+            <a:ext cx="3291840" cy="0"/>
+          </a:xfrm>
+          <a:prstGeom prst="line">
+            <a:avLst/>
+          </a:prstGeom>
+          <a:ln w="19050">
+            <a:solidFill>
+              <a:schemeClr val="accent1"/>
+            </a:solidFill>
+          </a:ln>
+        </p:spPr>
+        <p:style>
+          <a:lnRef idx="1">
+            <a:schemeClr val="accent1"/>
+          </a:lnRef>
+          <a:fillRef idx="0">
+            <a:schemeClr val="accent1"/>
+          </a:fillRef>
+          <a:effectRef idx="0">
+            <a:schemeClr val="accent1"/>
+          </a:effectRef>
+          <a:fontRef idx="minor">
+            <a:schemeClr val="tx1"/>
+          </a:fontRef>
+        </p:style>
+      </p:cxnSp>
       <p:sp>
         <p:nvSpPr>
           <p:cNvPr id="3" name="Content Placeholder 2">
@@ -4684,15 +6218,110 @@
             <p:ph idx="1"/>
           </p:nvPr>
         </p:nvSpPr>
-        <p:spPr/>
-        <p:txBody>
-          <a:bodyPr/>
+        <p:spPr>
+          <a:xfrm>
+            <a:off x="643467" y="2546224"/>
+            <a:ext cx="3448259" cy="3342747"/>
+          </a:xfrm>
+        </p:spPr>
+        <p:txBody>
+          <a:bodyPr>
+            <a:normAutofit/>
+          </a:bodyPr>
           <a:lstStyle/>
           <a:p>
-            <a:endParaRPr lang="en-US"/>
-          </a:p>
-        </p:txBody>
-      </p:sp>
+            <a:r>
+              <a:rPr lang="en-US" sz="1800" dirty="0">
+                <a:solidFill>
+                  <a:srgbClr val="FFFFFF"/>
+                </a:solidFill>
+              </a:rPr>
+              <a:t>The topics to explore:</a:t>
+            </a:r>
+          </a:p>
+          <a:p>
+            <a:pPr>
+              <a:buFont typeface="Arial" panose="020B0604020202020204" pitchFamily="34" charset="0"/>
+              <a:buChar char="•"/>
+            </a:pPr>
+            <a:r>
+              <a:rPr lang="en-US" sz="1800" dirty="0">
+                <a:solidFill>
+                  <a:srgbClr val="FFFFFF"/>
+                </a:solidFill>
+              </a:rPr>
+              <a:t> Most profitable movies</a:t>
+            </a:r>
+          </a:p>
+          <a:p>
+            <a:pPr>
+              <a:buFont typeface="Arial" panose="020B0604020202020204" pitchFamily="34" charset="0"/>
+              <a:buChar char="•"/>
+            </a:pPr>
+            <a:r>
+              <a:rPr lang="en-US" sz="1800" dirty="0">
+                <a:solidFill>
+                  <a:srgbClr val="FFFFFF"/>
+                </a:solidFill>
+              </a:rPr>
+              <a:t> Most popular genres</a:t>
+            </a:r>
+          </a:p>
+          <a:p>
+            <a:pPr>
+              <a:buFont typeface="Arial" panose="020B0604020202020204" pitchFamily="34" charset="0"/>
+              <a:buChar char="•"/>
+            </a:pPr>
+            <a:r>
+              <a:rPr lang="en-US" sz="1800" dirty="0">
+                <a:solidFill>
+                  <a:srgbClr val="FFFFFF"/>
+                </a:solidFill>
+              </a:rPr>
+              <a:t> Actor to likeability ratio</a:t>
+            </a:r>
+          </a:p>
+          <a:p>
+            <a:pPr marL="0" indent="0">
+              <a:buNone/>
+            </a:pPr>
+            <a:endParaRPr lang="en-US" sz="1800" dirty="0">
+              <a:solidFill>
+                <a:srgbClr val="FFFFFF"/>
+              </a:solidFill>
+            </a:endParaRPr>
+          </a:p>
+        </p:txBody>
+      </p:sp>
+      <p:pic>
+        <p:nvPicPr>
+          <p:cNvPr id="5" name="Picture 4">
+            <a:extLst>
+              <a:ext uri="{FF2B5EF4-FFF2-40B4-BE49-F238E27FC236}">
+                <a16:creationId xmlns:a16="http://schemas.microsoft.com/office/drawing/2014/main" id="{BF22E5EC-955D-0BBE-B7D6-CF20D5144225}"/>
+              </a:ext>
+            </a:extLst>
+          </p:cNvPr>
+          <p:cNvPicPr>
+            <a:picLocks noChangeAspect="1"/>
+          </p:cNvPicPr>
+          <p:nvPr/>
+        </p:nvPicPr>
+        <p:blipFill rotWithShape="1">
+          <a:blip r:embed="rId2"/>
+          <a:srcRect l="19695" r="18480"/>
+          <a:stretch/>
+        </p:blipFill>
+        <p:spPr>
+          <a:xfrm>
+            <a:off x="4654297" y="10"/>
+            <a:ext cx="7537703" cy="6857990"/>
+          </a:xfrm>
+          <a:prstGeom prst="rect">
+            <a:avLst/>
+          </a:prstGeom>
+        </p:spPr>
+      </p:pic>
     </p:spTree>
     <p:extLst>
       <p:ext uri="{BB962C8B-B14F-4D97-AF65-F5344CB8AC3E}">
@@ -4701,14 +6330,22 @@
     </p:extLst>
   </p:cSld>
   <p:clrMapOvr>
-    <a:masterClrMapping/>
+    <a:overrideClrMapping bg1="dk1" tx1="lt1" bg2="dk2" tx2="lt2" accent1="accent1" accent2="accent2" accent3="accent3" accent4="accent4" accent5="accent5" accent6="accent6" hlink="hlink" folHlink="folHlink"/>
   </p:clrMapOvr>
 </p:sld>
 </file>
 
-<file path=ppt/slides/slide7.xml><?xml version="1.0" encoding="utf-8"?>
+<file path=ppt/slides/slide5.xml><?xml version="1.0" encoding="utf-8"?>
 <p:sld xmlns:a="http://schemas.openxmlformats.org/drawingml/2006/main" xmlns:r="http://schemas.openxmlformats.org/officeDocument/2006/relationships" xmlns:p="http://schemas.openxmlformats.org/presentationml/2006/main">
   <p:cSld>
+    <p:bg>
+      <p:bgPr>
+        <a:solidFill>
+          <a:schemeClr val="bg1"/>
+        </a:solidFill>
+        <a:effectLst/>
+      </p:bgPr>
+    </p:bg>
     <p:spTree>
       <p:nvGrpSpPr>
         <p:cNvPr id="1" name=""/>
@@ -4725,6 +6362,61 @@
       </p:grpSpPr>
       <p:sp>
         <p:nvSpPr>
+          <p:cNvPr id="19" name="Rectangle 18">
+            <a:extLst>
+              <a:ext uri="{FF2B5EF4-FFF2-40B4-BE49-F238E27FC236}">
+                <a16:creationId xmlns:a16="http://schemas.microsoft.com/office/drawing/2014/main" id="{E844E128-FF69-4E9F-8327-6B504B3C5AE1}"/>
+              </a:ext>
+              <a:ext uri="{C183D7F6-B498-43B3-948B-1728B52AA6E4}">
+                <adec:decorative xmlns:adec="http://schemas.microsoft.com/office/drawing/2017/decorative" val="1"/>
+              </a:ext>
+            </a:extLst>
+          </p:cNvPr>
+          <p:cNvSpPr>
+            <a:spLocks noGrp="1" noRot="1" noChangeAspect="1" noMove="1" noResize="1" noEditPoints="1" noAdjustHandles="1" noChangeArrowheads="1" noChangeShapeType="1" noTextEdit="1"/>
+          </p:cNvSpPr>
+          <p:nvPr>
+            <p:extLst>
+              <p:ext uri="{386F3935-93C4-4BCD-93E2-E3B085C9AB24}">
+                <p16:designElem xmlns:p16="http://schemas.microsoft.com/office/powerpoint/2015/main" val="1"/>
+              </p:ext>
+            </p:extLst>
+          </p:nvPr>
+        </p:nvSpPr>
+        <p:spPr bwMode="white">
+          <a:xfrm>
+            <a:off x="15" y="0"/>
+            <a:ext cx="12191985" cy="6858000"/>
+          </a:xfrm>
+          <a:prstGeom prst="rect">
+            <a:avLst/>
+          </a:prstGeom>
+          <a:solidFill>
+            <a:srgbClr val="262626"/>
+          </a:solidFill>
+          <a:ln>
+            <a:noFill/>
+          </a:ln>
+        </p:spPr>
+        <p:style>
+          <a:lnRef idx="2">
+            <a:schemeClr val="accent1">
+              <a:shade val="50000"/>
+            </a:schemeClr>
+          </a:lnRef>
+          <a:fillRef idx="1">
+            <a:schemeClr val="accent1"/>
+          </a:fillRef>
+          <a:effectRef idx="0">
+            <a:schemeClr val="accent1"/>
+          </a:effectRef>
+          <a:fontRef idx="minor">
+            <a:schemeClr val="lt1"/>
+          </a:fontRef>
+        </p:style>
+      </p:sp>
+      <p:sp>
+        <p:nvSpPr>
           <p:cNvPr id="2" name="Title 1">
             <a:extLst>
               <a:ext uri="{FF2B5EF4-FFF2-40B4-BE49-F238E27FC236}">
@@ -4739,18 +6431,81 @@
             <p:ph type="title"/>
           </p:nvPr>
         </p:nvSpPr>
-        <p:spPr/>
-        <p:txBody>
-          <a:bodyPr/>
+        <p:spPr>
+          <a:xfrm>
+            <a:off x="1097280" y="516835"/>
+            <a:ext cx="5977937" cy="1666501"/>
+          </a:xfrm>
+        </p:spPr>
+        <p:txBody>
+          <a:bodyPr>
+            <a:normAutofit/>
+          </a:bodyPr>
           <a:lstStyle/>
           <a:p>
             <a:r>
-              <a:rPr lang="en-US" dirty="0"/>
+              <a:rPr lang="en-US" sz="4000">
+                <a:solidFill>
+                  <a:srgbClr val="FFFFFF"/>
+                </a:solidFill>
+              </a:rPr>
               <a:t>Development Process</a:t>
             </a:r>
           </a:p>
         </p:txBody>
       </p:sp>
+      <p:cxnSp>
+        <p:nvCxnSpPr>
+          <p:cNvPr id="21" name="Straight Connector 20">
+            <a:extLst>
+              <a:ext uri="{FF2B5EF4-FFF2-40B4-BE49-F238E27FC236}">
+                <a16:creationId xmlns:a16="http://schemas.microsoft.com/office/drawing/2014/main" id="{055CEADF-09EA-423C-8C45-F94AF44D5AF0}"/>
+              </a:ext>
+              <a:ext uri="{C183D7F6-B498-43B3-948B-1728B52AA6E4}">
+                <adec:decorative xmlns:adec="http://schemas.microsoft.com/office/drawing/2017/decorative" val="1"/>
+              </a:ext>
+            </a:extLst>
+          </p:cNvPr>
+          <p:cNvCxnSpPr>
+            <a:cxnSpLocks noGrp="1" noRot="1" noChangeAspect="1" noMove="1" noResize="1" noEditPoints="1" noAdjustHandles="1" noChangeArrowheads="1" noChangeShapeType="1"/>
+          </p:cNvCxnSpPr>
+          <p:nvPr>
+            <p:extLst>
+              <p:ext uri="{386F3935-93C4-4BCD-93E2-E3B085C9AB24}">
+                <p16:designElem xmlns:p16="http://schemas.microsoft.com/office/powerpoint/2015/main" val="1"/>
+              </p:ext>
+            </p:extLst>
+          </p:nvPr>
+        </p:nvCxnSpPr>
+        <p:spPr>
+          <a:xfrm>
+            <a:off x="1215896" y="2353592"/>
+            <a:ext cx="5303520" cy="0"/>
+          </a:xfrm>
+          <a:prstGeom prst="line">
+            <a:avLst/>
+          </a:prstGeom>
+          <a:ln w="19050">
+            <a:solidFill>
+              <a:schemeClr val="accent1"/>
+            </a:solidFill>
+          </a:ln>
+        </p:spPr>
+        <p:style>
+          <a:lnRef idx="1">
+            <a:schemeClr val="accent1"/>
+          </a:lnRef>
+          <a:fillRef idx="0">
+            <a:schemeClr val="accent1"/>
+          </a:fillRef>
+          <a:effectRef idx="0">
+            <a:schemeClr val="accent1"/>
+          </a:effectRef>
+          <a:fontRef idx="minor">
+            <a:schemeClr val="tx1"/>
+          </a:fontRef>
+        </p:style>
+      </p:cxnSp>
       <p:sp>
         <p:nvSpPr>
           <p:cNvPr id="3" name="Content Placeholder 2">
@@ -4767,15 +6522,110 @@
             <p:ph idx="1"/>
           </p:nvPr>
         </p:nvSpPr>
-        <p:spPr/>
-        <p:txBody>
-          <a:bodyPr/>
+        <p:spPr>
+          <a:xfrm>
+            <a:off x="1097279" y="2546224"/>
+            <a:ext cx="5977938" cy="3342747"/>
+          </a:xfrm>
+        </p:spPr>
+        <p:txBody>
+          <a:bodyPr>
+            <a:normAutofit/>
+          </a:bodyPr>
           <a:lstStyle/>
           <a:p>
-            <a:endParaRPr lang="en-US"/>
-          </a:p>
-        </p:txBody>
-      </p:sp>
+            <a:r>
+              <a:rPr lang="en-US" sz="2400" b="1" i="0" dirty="0">
+                <a:solidFill>
+                  <a:srgbClr val="FFFFFF"/>
+                </a:solidFill>
+                <a:effectLst/>
+                <a:latin typeface="-apple-system"/>
+              </a:rPr>
+              <a:t>Q1: Which movies were the most profitable?</a:t>
+            </a:r>
+          </a:p>
+          <a:p>
+            <a:endParaRPr lang="en-US" sz="1800" b="1" i="0" dirty="0">
+              <a:solidFill>
+                <a:srgbClr val="FFFFFF"/>
+              </a:solidFill>
+              <a:effectLst/>
+              <a:latin typeface="-apple-system"/>
+            </a:endParaRPr>
+          </a:p>
+        </p:txBody>
+      </p:sp>
+      <p:pic>
+        <p:nvPicPr>
+          <p:cNvPr id="5" name="Picture 4" descr="Chart, bar chart&#10;&#10;Description automatically generated">
+            <a:extLst>
+              <a:ext uri="{FF2B5EF4-FFF2-40B4-BE49-F238E27FC236}">
+                <a16:creationId xmlns:a16="http://schemas.microsoft.com/office/drawing/2014/main" id="{6C057C6B-899B-9D35-79A7-45801F5BEAB5}"/>
+              </a:ext>
+            </a:extLst>
+          </p:cNvPr>
+          <p:cNvPicPr>
+            <a:picLocks noChangeAspect="1"/>
+          </p:cNvPicPr>
+          <p:nvPr/>
+        </p:nvPicPr>
+        <p:blipFill rotWithShape="1">
+          <a:blip r:embed="rId2">
+            <a:extLst>
+              <a:ext uri="{28A0092B-C50C-407E-A947-70E740481C1C}">
+                <a14:useLocalDpi xmlns:a14="http://schemas.microsoft.com/office/drawing/2010/main" val="0"/>
+              </a:ext>
+            </a:extLst>
+          </a:blip>
+          <a:srcRect l="7191" r="6169" b="1"/>
+          <a:stretch/>
+        </p:blipFill>
+        <p:spPr>
+          <a:xfrm>
+            <a:off x="418070" y="3429001"/>
+            <a:ext cx="5056567" cy="3429000"/>
+          </a:xfrm>
+          <a:prstGeom prst="rect">
+            <a:avLst/>
+          </a:prstGeom>
+        </p:spPr>
+      </p:pic>
+      <p:pic>
+        <p:nvPicPr>
+          <p:cNvPr id="7" name="Picture 6" descr="Chart, bar chart&#10;&#10;Description automatically generated">
+            <a:extLst>
+              <a:ext uri="{FF2B5EF4-FFF2-40B4-BE49-F238E27FC236}">
+                <a16:creationId xmlns:a16="http://schemas.microsoft.com/office/drawing/2014/main" id="{5D07F3A7-3444-E8FD-0192-A1355D7A975E}"/>
+              </a:ext>
+            </a:extLst>
+          </p:cNvPr>
+          <p:cNvPicPr>
+            <a:picLocks noChangeAspect="1"/>
+          </p:cNvPicPr>
+          <p:nvPr/>
+        </p:nvPicPr>
+        <p:blipFill rotWithShape="1">
+          <a:blip r:embed="rId3">
+            <a:extLst>
+              <a:ext uri="{28A0092B-C50C-407E-A947-70E740481C1C}">
+                <a14:useLocalDpi xmlns:a14="http://schemas.microsoft.com/office/drawing/2010/main" val="0"/>
+              </a:ext>
+            </a:extLst>
+          </a:blip>
+          <a:srcRect l="5875" r="4775" b="-4"/>
+          <a:stretch/>
+        </p:blipFill>
+        <p:spPr>
+          <a:xfrm>
+            <a:off x="7075218" y="3429000"/>
+            <a:ext cx="4848440" cy="3429001"/>
+          </a:xfrm>
+          <a:prstGeom prst="rect">
+            <a:avLst/>
+          </a:prstGeom>
+        </p:spPr>
+      </p:pic>
     </p:spTree>
     <p:extLst>
       <p:ext uri="{BB962C8B-B14F-4D97-AF65-F5344CB8AC3E}">
@@ -4784,14 +6634,22 @@
     </p:extLst>
   </p:cSld>
   <p:clrMapOvr>
-    <a:masterClrMapping/>
+    <a:overrideClrMapping bg1="dk1" tx1="lt1" bg2="dk2" tx2="lt2" accent1="accent1" accent2="accent2" accent3="accent3" accent4="accent4" accent5="accent5" accent6="accent6" hlink="hlink" folHlink="folHlink"/>
   </p:clrMapOvr>
 </p:sld>
 </file>
 
-<file path=ppt/slides/slide8.xml><?xml version="1.0" encoding="utf-8"?>
+<file path=ppt/slides/slide6.xml><?xml version="1.0" encoding="utf-8"?>
 <p:sld xmlns:a="http://schemas.openxmlformats.org/drawingml/2006/main" xmlns:r="http://schemas.openxmlformats.org/officeDocument/2006/relationships" xmlns:p="http://schemas.openxmlformats.org/presentationml/2006/main">
   <p:cSld>
+    <p:bg>
+      <p:bgPr>
+        <a:solidFill>
+          <a:schemeClr val="bg1"/>
+        </a:solidFill>
+        <a:effectLst/>
+      </p:bgPr>
+    </p:bg>
     <p:spTree>
       <p:nvGrpSpPr>
         <p:cNvPr id="1" name=""/>
@@ -4806,12 +6664,72 @@
           <a:chExt cx="0" cy="0"/>
         </a:xfrm>
       </p:grpSpPr>
+      <p:sp useBgFill="1">
+        <p:nvSpPr>
+          <p:cNvPr id="8" name="Rectangle 7">
+            <a:extLst>
+              <a:ext uri="{FF2B5EF4-FFF2-40B4-BE49-F238E27FC236}">
+                <a16:creationId xmlns:a16="http://schemas.microsoft.com/office/drawing/2014/main" id="{C8DD82D3-D002-45B0-B16A-82B3DA4EFDDB}"/>
+              </a:ext>
+              <a:ext uri="{C183D7F6-B498-43B3-948B-1728B52AA6E4}">
+                <adec:decorative xmlns:adec="http://schemas.microsoft.com/office/drawing/2017/decorative" val="1"/>
+              </a:ext>
+            </a:extLst>
+          </p:cNvPr>
+          <p:cNvSpPr>
+            <a:spLocks noGrp="1" noRot="1" noChangeAspect="1" noMove="1" noResize="1" noEditPoints="1" noAdjustHandles="1" noChangeArrowheads="1" noChangeShapeType="1" noTextEdit="1"/>
+          </p:cNvSpPr>
+          <p:nvPr>
+            <p:extLst>
+              <p:ext uri="{386F3935-93C4-4BCD-93E2-E3B085C9AB24}">
+                <p16:designElem xmlns:p16="http://schemas.microsoft.com/office/powerpoint/2015/main" val="1"/>
+              </p:ext>
+            </p:extLst>
+          </p:nvPr>
+        </p:nvSpPr>
+        <p:spPr>
+          <a:xfrm>
+            <a:off x="3175" y="0"/>
+            <a:ext cx="12188952" cy="6858000"/>
+          </a:xfrm>
+          <a:prstGeom prst="rect">
+            <a:avLst/>
+          </a:prstGeom>
+          <a:ln>
+            <a:noFill/>
+          </a:ln>
+        </p:spPr>
+        <p:style>
+          <a:lnRef idx="2">
+            <a:schemeClr val="accent1">
+              <a:shade val="50000"/>
+            </a:schemeClr>
+          </a:lnRef>
+          <a:fillRef idx="1">
+            <a:schemeClr val="accent1"/>
+          </a:fillRef>
+          <a:effectRef idx="0">
+            <a:schemeClr val="accent1"/>
+          </a:effectRef>
+          <a:fontRef idx="minor">
+            <a:schemeClr val="lt1"/>
+          </a:fontRef>
+        </p:style>
+        <p:txBody>
+          <a:bodyPr rtlCol="0" anchor="ctr"/>
+          <a:lstStyle/>
+          <a:p>
+            <a:pPr algn="ctr"/>
+            <a:endParaRPr lang="en-US"/>
+          </a:p>
+        </p:txBody>
+      </p:sp>
       <p:sp>
         <p:nvSpPr>
           <p:cNvPr id="2" name="Title 1">
             <a:extLst>
               <a:ext uri="{FF2B5EF4-FFF2-40B4-BE49-F238E27FC236}">
-                <a16:creationId xmlns:a16="http://schemas.microsoft.com/office/drawing/2014/main" id="{EBBE5AFA-BCCC-264A-57C3-4B1C43413010}"/>
+                <a16:creationId xmlns:a16="http://schemas.microsoft.com/office/drawing/2014/main" id="{6170DDF4-2EA1-A179-E32A-0A50FA1CB328}"/>
               </a:ext>
             </a:extLst>
           </p:cNvPr>
@@ -4822,24 +6740,84 @@
             <p:ph type="title"/>
           </p:nvPr>
         </p:nvSpPr>
-        <p:spPr/>
-        <p:txBody>
-          <a:bodyPr/>
+        <p:spPr>
+          <a:xfrm>
+            <a:off x="949047" y="643466"/>
+            <a:ext cx="2771273" cy="5470463"/>
+          </a:xfrm>
+        </p:spPr>
+        <p:txBody>
+          <a:bodyPr anchor="ctr">
+            <a:normAutofit/>
+          </a:bodyPr>
           <a:lstStyle/>
           <a:p>
             <a:r>
-              <a:rPr lang="en-US" dirty="0"/>
-              <a:t>Technologies used</a:t>
-            </a:r>
-          </a:p>
-        </p:txBody>
-      </p:sp>
+              <a:rPr lang="en-US" sz="3600" dirty="0"/>
+              <a:t>Solution (Q1)</a:t>
+            </a:r>
+          </a:p>
+        </p:txBody>
+      </p:sp>
+      <p:cxnSp>
+        <p:nvCxnSpPr>
+          <p:cNvPr id="10" name="Straight Connector 9">
+            <a:extLst>
+              <a:ext uri="{FF2B5EF4-FFF2-40B4-BE49-F238E27FC236}">
+                <a16:creationId xmlns:a16="http://schemas.microsoft.com/office/drawing/2014/main" id="{9F09C252-16FE-4557-AD6D-BB5CA773496C}"/>
+              </a:ext>
+              <a:ext uri="{C183D7F6-B498-43B3-948B-1728B52AA6E4}">
+                <adec:decorative xmlns:adec="http://schemas.microsoft.com/office/drawing/2017/decorative" val="1"/>
+              </a:ext>
+            </a:extLst>
+          </p:cNvPr>
+          <p:cNvCxnSpPr>
+            <a:cxnSpLocks noGrp="1" noRot="1" noChangeAspect="1" noMove="1" noResize="1" noEditPoints="1" noAdjustHandles="1" noChangeArrowheads="1" noChangeShapeType="1"/>
+          </p:cNvCxnSpPr>
+          <p:nvPr>
+            <p:extLst>
+              <p:ext uri="{386F3935-93C4-4BCD-93E2-E3B085C9AB24}">
+                <p16:designElem xmlns:p16="http://schemas.microsoft.com/office/powerpoint/2015/main" val="1"/>
+              </p:ext>
+            </p:extLst>
+          </p:nvPr>
+        </p:nvCxnSpPr>
+        <p:spPr>
+          <a:xfrm>
+            <a:off x="4042053" y="1778497"/>
+            <a:ext cx="0" cy="3200400"/>
+          </a:xfrm>
+          <a:prstGeom prst="line">
+            <a:avLst/>
+          </a:prstGeom>
+          <a:ln w="19050">
+            <a:solidFill>
+              <a:schemeClr val="tx1"/>
+            </a:solidFill>
+            <a:miter lim="800000"/>
+          </a:ln>
+        </p:spPr>
+        <p:style>
+          <a:lnRef idx="1">
+            <a:schemeClr val="accent1"/>
+          </a:lnRef>
+          <a:fillRef idx="0">
+            <a:schemeClr val="accent1"/>
+          </a:fillRef>
+          <a:effectRef idx="0">
+            <a:schemeClr val="accent1"/>
+          </a:effectRef>
+          <a:fontRef idx="minor">
+            <a:schemeClr val="tx1"/>
+          </a:fontRef>
+        </p:style>
+      </p:cxnSp>
       <p:sp>
         <p:nvSpPr>
           <p:cNvPr id="3" name="Content Placeholder 2">
             <a:extLst>
               <a:ext uri="{FF2B5EF4-FFF2-40B4-BE49-F238E27FC236}">
-                <a16:creationId xmlns:a16="http://schemas.microsoft.com/office/drawing/2014/main" id="{308889E4-6DC6-1B39-BA89-CE61CC3942C5}"/>
+                <a16:creationId xmlns:a16="http://schemas.microsoft.com/office/drawing/2014/main" id="{990436F6-00D0-162A-0C0C-251F0E0BF27E}"/>
               </a:ext>
             </a:extLst>
           </p:cNvPr>
@@ -4850,31 +6828,55 @@
             <p:ph idx="1"/>
           </p:nvPr>
         </p:nvSpPr>
-        <p:spPr/>
-        <p:txBody>
-          <a:bodyPr/>
+        <p:spPr>
+          <a:xfrm>
+            <a:off x="4428565" y="643466"/>
+            <a:ext cx="6818427" cy="5470462"/>
+          </a:xfrm>
+        </p:spPr>
+        <p:txBody>
+          <a:bodyPr anchor="ctr">
+            <a:normAutofit/>
+          </a:bodyPr>
           <a:lstStyle/>
           <a:p>
-            <a:endParaRPr lang="en-US"/>
+            <a:r>
+              <a:rPr lang="en-US" b="1" i="0" dirty="0">
+                <a:solidFill>
+                  <a:srgbClr val="C9D1D9"/>
+                </a:solidFill>
+                <a:effectLst/>
+                <a:latin typeface="-apple-system"/>
+              </a:rPr>
+              <a:t>When both most successful movies from BV in foreign and domestic regions were placed together, I found the average of the budget and, if Microsoft is to make a big impact on the market, then their production budget should be around $175,000,000</a:t>
+            </a:r>
           </a:p>
         </p:txBody>
       </p:sp>
     </p:spTree>
     <p:extLst>
       <p:ext uri="{BB962C8B-B14F-4D97-AF65-F5344CB8AC3E}">
-        <p14:creationId xmlns:p14="http://schemas.microsoft.com/office/powerpoint/2010/main" val="4181483353"/>
+        <p14:creationId xmlns:p14="http://schemas.microsoft.com/office/powerpoint/2010/main" val="842361297"/>
       </p:ext>
     </p:extLst>
   </p:cSld>
   <p:clrMapOvr>
-    <a:masterClrMapping/>
+    <a:overrideClrMapping bg1="dk1" tx1="lt1" bg2="dk2" tx2="lt2" accent1="accent1" accent2="accent2" accent3="accent3" accent4="accent4" accent5="accent5" accent6="accent6" hlink="hlink" folHlink="folHlink"/>
   </p:clrMapOvr>
 </p:sld>
 </file>
 
-<file path=ppt/slides/slide9.xml><?xml version="1.0" encoding="utf-8"?>
+<file path=ppt/slides/slide7.xml><?xml version="1.0" encoding="utf-8"?>
 <p:sld xmlns:a="http://schemas.openxmlformats.org/drawingml/2006/main" xmlns:r="http://schemas.openxmlformats.org/officeDocument/2006/relationships" xmlns:p="http://schemas.openxmlformats.org/presentationml/2006/main">
   <p:cSld>
+    <p:bg>
+      <p:bgPr>
+        <a:solidFill>
+          <a:schemeClr val="bg1"/>
+        </a:solidFill>
+        <a:effectLst/>
+      </p:bgPr>
+    </p:bg>
     <p:spTree>
       <p:nvGrpSpPr>
         <p:cNvPr id="1" name=""/>
@@ -4891,10 +6893,65 @@
       </p:grpSpPr>
       <p:sp>
         <p:nvSpPr>
+          <p:cNvPr id="30" name="Rectangle 25">
+            <a:extLst>
+              <a:ext uri="{FF2B5EF4-FFF2-40B4-BE49-F238E27FC236}">
+                <a16:creationId xmlns:a16="http://schemas.microsoft.com/office/drawing/2014/main" id="{E844E128-FF69-4E9F-8327-6B504B3C5AE1}"/>
+              </a:ext>
+              <a:ext uri="{C183D7F6-B498-43B3-948B-1728B52AA6E4}">
+                <adec:decorative xmlns:adec="http://schemas.microsoft.com/office/drawing/2017/decorative" val="1"/>
+              </a:ext>
+            </a:extLst>
+          </p:cNvPr>
+          <p:cNvSpPr>
+            <a:spLocks noGrp="1" noRot="1" noChangeAspect="1" noMove="1" noResize="1" noEditPoints="1" noAdjustHandles="1" noChangeArrowheads="1" noChangeShapeType="1" noTextEdit="1"/>
+          </p:cNvSpPr>
+          <p:nvPr>
+            <p:extLst>
+              <p:ext uri="{386F3935-93C4-4BCD-93E2-E3B085C9AB24}">
+                <p16:designElem xmlns:p16="http://schemas.microsoft.com/office/powerpoint/2015/main" val="1"/>
+              </p:ext>
+            </p:extLst>
+          </p:nvPr>
+        </p:nvSpPr>
+        <p:spPr bwMode="white">
+          <a:xfrm>
+            <a:off x="15" y="0"/>
+            <a:ext cx="12191985" cy="6858000"/>
+          </a:xfrm>
+          <a:prstGeom prst="rect">
+            <a:avLst/>
+          </a:prstGeom>
+          <a:solidFill>
+            <a:srgbClr val="262626"/>
+          </a:solidFill>
+          <a:ln>
+            <a:noFill/>
+          </a:ln>
+        </p:spPr>
+        <p:style>
+          <a:lnRef idx="2">
+            <a:schemeClr val="accent1">
+              <a:shade val="50000"/>
+            </a:schemeClr>
+          </a:lnRef>
+          <a:fillRef idx="1">
+            <a:schemeClr val="accent1"/>
+          </a:fillRef>
+          <a:effectRef idx="0">
+            <a:schemeClr val="accent1"/>
+          </a:effectRef>
+          <a:fontRef idx="minor">
+            <a:schemeClr val="lt1"/>
+          </a:fontRef>
+        </p:style>
+      </p:sp>
+      <p:sp>
+        <p:nvSpPr>
           <p:cNvPr id="2" name="Title 1">
             <a:extLst>
               <a:ext uri="{FF2B5EF4-FFF2-40B4-BE49-F238E27FC236}">
-                <a16:creationId xmlns:a16="http://schemas.microsoft.com/office/drawing/2014/main" id="{20D1962E-E17D-352D-A301-319BCAA196D0}"/>
+                <a16:creationId xmlns:a16="http://schemas.microsoft.com/office/drawing/2014/main" id="{AAB0A70D-28C2-40A8-5BCF-276B58A8883F}"/>
               </a:ext>
             </a:extLst>
           </p:cNvPr>
@@ -4905,28 +6962,87 @@
             <p:ph type="title"/>
           </p:nvPr>
         </p:nvSpPr>
-        <p:spPr/>
-        <p:txBody>
-          <a:bodyPr/>
+        <p:spPr>
+          <a:xfrm>
+            <a:off x="643467" y="516835"/>
+            <a:ext cx="3448259" cy="1666501"/>
+          </a:xfrm>
+        </p:spPr>
+        <p:txBody>
+          <a:bodyPr>
+            <a:normAutofit/>
+          </a:bodyPr>
           <a:lstStyle/>
           <a:p>
             <a:r>
-              <a:rPr lang="en-US" dirty="0"/>
-              <a:t>Conclusion </a:t>
-            </a:r>
-            <a:r>
-              <a:rPr lang="en-US"/>
-              <a:t>and Recommendation</a:t>
-            </a:r>
-          </a:p>
-        </p:txBody>
-      </p:sp>
+              <a:rPr lang="en-US" sz="4000">
+                <a:solidFill>
+                  <a:srgbClr val="FFFFFF"/>
+                </a:solidFill>
+              </a:rPr>
+              <a:t>Development Process</a:t>
+            </a:r>
+          </a:p>
+        </p:txBody>
+      </p:sp>
+      <p:cxnSp>
+        <p:nvCxnSpPr>
+          <p:cNvPr id="31" name="Straight Connector 27">
+            <a:extLst>
+              <a:ext uri="{FF2B5EF4-FFF2-40B4-BE49-F238E27FC236}">
+                <a16:creationId xmlns:a16="http://schemas.microsoft.com/office/drawing/2014/main" id="{055CEADF-09EA-423C-8C45-F94AF44D5AF0}"/>
+              </a:ext>
+              <a:ext uri="{C183D7F6-B498-43B3-948B-1728B52AA6E4}">
+                <adec:decorative xmlns:adec="http://schemas.microsoft.com/office/drawing/2017/decorative" val="1"/>
+              </a:ext>
+            </a:extLst>
+          </p:cNvPr>
+          <p:cNvCxnSpPr>
+            <a:cxnSpLocks noGrp="1" noRot="1" noChangeAspect="1" noMove="1" noResize="1" noEditPoints="1" noAdjustHandles="1" noChangeArrowheads="1" noChangeShapeType="1"/>
+          </p:cNvCxnSpPr>
+          <p:nvPr>
+            <p:extLst>
+              <p:ext uri="{386F3935-93C4-4BCD-93E2-E3B085C9AB24}">
+                <p16:designElem xmlns:p16="http://schemas.microsoft.com/office/powerpoint/2015/main" val="1"/>
+              </p:ext>
+            </p:extLst>
+          </p:nvPr>
+        </p:nvCxnSpPr>
+        <p:spPr>
+          <a:xfrm>
+            <a:off x="723686" y="2353592"/>
+            <a:ext cx="3291840" cy="0"/>
+          </a:xfrm>
+          <a:prstGeom prst="line">
+            <a:avLst/>
+          </a:prstGeom>
+          <a:ln w="19050">
+            <a:solidFill>
+              <a:schemeClr val="accent1"/>
+            </a:solidFill>
+          </a:ln>
+        </p:spPr>
+        <p:style>
+          <a:lnRef idx="1">
+            <a:schemeClr val="accent1"/>
+          </a:lnRef>
+          <a:fillRef idx="0">
+            <a:schemeClr val="accent1"/>
+          </a:fillRef>
+          <a:effectRef idx="0">
+            <a:schemeClr val="accent1"/>
+          </a:effectRef>
+          <a:fontRef idx="minor">
+            <a:schemeClr val="tx1"/>
+          </a:fontRef>
+        </p:style>
+      </p:cxnSp>
       <p:sp>
         <p:nvSpPr>
           <p:cNvPr id="3" name="Content Placeholder 2">
             <a:extLst>
               <a:ext uri="{FF2B5EF4-FFF2-40B4-BE49-F238E27FC236}">
-                <a16:creationId xmlns:a16="http://schemas.microsoft.com/office/drawing/2014/main" id="{5819A9CB-4819-66B9-08FD-E5565EE3152F}"/>
+                <a16:creationId xmlns:a16="http://schemas.microsoft.com/office/drawing/2014/main" id="{D2744E1B-05AC-503D-6DCC-0D9B2ACEDB5F}"/>
               </a:ext>
             </a:extLst>
           </p:cNvPr>
@@ -4937,24 +7053,618 @@
             <p:ph idx="1"/>
           </p:nvPr>
         </p:nvSpPr>
-        <p:spPr/>
-        <p:txBody>
-          <a:bodyPr/>
+        <p:spPr>
+          <a:xfrm>
+            <a:off x="643467" y="2546224"/>
+            <a:ext cx="3448259" cy="3342747"/>
+          </a:xfrm>
+        </p:spPr>
+        <p:txBody>
+          <a:bodyPr>
+            <a:normAutofit/>
+          </a:bodyPr>
           <a:lstStyle/>
           <a:p>
-            <a:endParaRPr lang="en-US"/>
-          </a:p>
-        </p:txBody>
-      </p:sp>
+            <a:r>
+              <a:rPr lang="en-US" sz="1800" b="1" i="0">
+                <a:solidFill>
+                  <a:srgbClr val="FFFFFF"/>
+                </a:solidFill>
+                <a:effectLst/>
+                <a:latin typeface="-apple-system"/>
+              </a:rPr>
+              <a:t>Q2: Most popular genre?</a:t>
+            </a:r>
+          </a:p>
+          <a:p>
+            <a:endParaRPr lang="en-US" sz="1800" b="1" i="0" dirty="0">
+              <a:solidFill>
+                <a:srgbClr val="FFFFFF"/>
+              </a:solidFill>
+              <a:effectLst/>
+              <a:latin typeface="-apple-system"/>
+            </a:endParaRPr>
+          </a:p>
+        </p:txBody>
+      </p:sp>
+      <p:pic>
+        <p:nvPicPr>
+          <p:cNvPr id="6" name="Picture 5" descr="Chart, bar chart&#10;&#10;Description automatically generated">
+            <a:extLst>
+              <a:ext uri="{FF2B5EF4-FFF2-40B4-BE49-F238E27FC236}">
+                <a16:creationId xmlns:a16="http://schemas.microsoft.com/office/drawing/2014/main" id="{49617BF4-0656-4676-4D2A-3818BB0BAB6F}"/>
+              </a:ext>
+            </a:extLst>
+          </p:cNvPr>
+          <p:cNvPicPr>
+            <a:picLocks noChangeAspect="1"/>
+          </p:cNvPicPr>
+          <p:nvPr/>
+        </p:nvPicPr>
+        <p:blipFill rotWithShape="1">
+          <a:blip r:embed="rId2">
+            <a:extLst>
+              <a:ext uri="{28A0092B-C50C-407E-A947-70E740481C1C}">
+                <a14:useLocalDpi xmlns:a14="http://schemas.microsoft.com/office/drawing/2010/main" val="0"/>
+              </a:ext>
+            </a:extLst>
+          </a:blip>
+          <a:srcRect l="3435" r="22926" b="2"/>
+          <a:stretch/>
+        </p:blipFill>
+        <p:spPr>
+          <a:xfrm>
+            <a:off x="4815397" y="10"/>
+            <a:ext cx="7376602" cy="6857990"/>
+          </a:xfrm>
+          <a:prstGeom prst="rect">
+            <a:avLst/>
+          </a:prstGeom>
+        </p:spPr>
+      </p:pic>
     </p:spTree>
     <p:extLst>
       <p:ext uri="{BB962C8B-B14F-4D97-AF65-F5344CB8AC3E}">
-        <p14:creationId xmlns:p14="http://schemas.microsoft.com/office/powerpoint/2010/main" val="2178007499"/>
+        <p14:creationId xmlns:p14="http://schemas.microsoft.com/office/powerpoint/2010/main" val="492461581"/>
       </p:ext>
     </p:extLst>
   </p:cSld>
   <p:clrMapOvr>
-    <a:masterClrMapping/>
+    <a:overrideClrMapping bg1="dk1" tx1="lt1" bg2="dk2" tx2="lt2" accent1="accent1" accent2="accent2" accent3="accent3" accent4="accent4" accent5="accent5" accent6="accent6" hlink="hlink" folHlink="folHlink"/>
+  </p:clrMapOvr>
+</p:sld>
+</file>
+
+<file path=ppt/slides/slide8.xml><?xml version="1.0" encoding="utf-8"?>
+<p:sld xmlns:a="http://schemas.openxmlformats.org/drawingml/2006/main" xmlns:r="http://schemas.openxmlformats.org/officeDocument/2006/relationships" xmlns:p="http://schemas.openxmlformats.org/presentationml/2006/main">
+  <p:cSld>
+    <p:bg>
+      <p:bgPr>
+        <a:solidFill>
+          <a:schemeClr val="bg1"/>
+        </a:solidFill>
+        <a:effectLst/>
+      </p:bgPr>
+    </p:bg>
+    <p:spTree>
+      <p:nvGrpSpPr>
+        <p:cNvPr id="1" name=""/>
+        <p:cNvGrpSpPr/>
+        <p:nvPr/>
+      </p:nvGrpSpPr>
+      <p:grpSpPr>
+        <a:xfrm>
+          <a:off x="0" y="0"/>
+          <a:ext cx="0" cy="0"/>
+          <a:chOff x="0" y="0"/>
+          <a:chExt cx="0" cy="0"/>
+        </a:xfrm>
+      </p:grpSpPr>
+      <p:sp>
+        <p:nvSpPr>
+          <p:cNvPr id="16" name="Rectangle 15">
+            <a:extLst>
+              <a:ext uri="{FF2B5EF4-FFF2-40B4-BE49-F238E27FC236}">
+                <a16:creationId xmlns:a16="http://schemas.microsoft.com/office/drawing/2014/main" id="{E844E128-FF69-4E9F-8327-6B504B3C5AE1}"/>
+              </a:ext>
+              <a:ext uri="{C183D7F6-B498-43B3-948B-1728B52AA6E4}">
+                <adec:decorative xmlns:adec="http://schemas.microsoft.com/office/drawing/2017/decorative" val="1"/>
+              </a:ext>
+            </a:extLst>
+          </p:cNvPr>
+          <p:cNvSpPr>
+            <a:spLocks noGrp="1" noRot="1" noChangeAspect="1" noMove="1" noResize="1" noEditPoints="1" noAdjustHandles="1" noChangeArrowheads="1" noChangeShapeType="1" noTextEdit="1"/>
+          </p:cNvSpPr>
+          <p:nvPr>
+            <p:extLst>
+              <p:ext uri="{386F3935-93C4-4BCD-93E2-E3B085C9AB24}">
+                <p16:designElem xmlns:p16="http://schemas.microsoft.com/office/powerpoint/2015/main" val="1"/>
+              </p:ext>
+            </p:extLst>
+          </p:nvPr>
+        </p:nvSpPr>
+        <p:spPr bwMode="white">
+          <a:xfrm>
+            <a:off x="15" y="0"/>
+            <a:ext cx="12191985" cy="6858000"/>
+          </a:xfrm>
+          <a:prstGeom prst="rect">
+            <a:avLst/>
+          </a:prstGeom>
+          <a:solidFill>
+            <a:srgbClr val="262626"/>
+          </a:solidFill>
+          <a:ln>
+            <a:noFill/>
+          </a:ln>
+        </p:spPr>
+        <p:style>
+          <a:lnRef idx="2">
+            <a:schemeClr val="accent1">
+              <a:shade val="50000"/>
+            </a:schemeClr>
+          </a:lnRef>
+          <a:fillRef idx="1">
+            <a:schemeClr val="accent1"/>
+          </a:fillRef>
+          <a:effectRef idx="0">
+            <a:schemeClr val="accent1"/>
+          </a:effectRef>
+          <a:fontRef idx="minor">
+            <a:schemeClr val="lt1"/>
+          </a:fontRef>
+        </p:style>
+      </p:sp>
+      <p:sp>
+        <p:nvSpPr>
+          <p:cNvPr id="2" name="Title 1">
+            <a:extLst>
+              <a:ext uri="{FF2B5EF4-FFF2-40B4-BE49-F238E27FC236}">
+                <a16:creationId xmlns:a16="http://schemas.microsoft.com/office/drawing/2014/main" id="{6170DDF4-2EA1-A179-E32A-0A50FA1CB328}"/>
+              </a:ext>
+            </a:extLst>
+          </p:cNvPr>
+          <p:cNvSpPr>
+            <a:spLocks noGrp="1"/>
+          </p:cNvSpPr>
+          <p:nvPr>
+            <p:ph type="title"/>
+          </p:nvPr>
+        </p:nvSpPr>
+        <p:spPr>
+          <a:xfrm>
+            <a:off x="643467" y="516835"/>
+            <a:ext cx="3448259" cy="1666501"/>
+          </a:xfrm>
+        </p:spPr>
+        <p:txBody>
+          <a:bodyPr>
+            <a:normAutofit/>
+          </a:bodyPr>
+          <a:lstStyle/>
+          <a:p>
+            <a:r>
+              <a:rPr lang="en-US" sz="4000">
+                <a:solidFill>
+                  <a:srgbClr val="FFFFFF"/>
+                </a:solidFill>
+              </a:rPr>
+              <a:t>Solution (Q2)</a:t>
+            </a:r>
+          </a:p>
+        </p:txBody>
+      </p:sp>
+      <p:cxnSp>
+        <p:nvCxnSpPr>
+          <p:cNvPr id="18" name="Straight Connector 17">
+            <a:extLst>
+              <a:ext uri="{FF2B5EF4-FFF2-40B4-BE49-F238E27FC236}">
+                <a16:creationId xmlns:a16="http://schemas.microsoft.com/office/drawing/2014/main" id="{055CEADF-09EA-423C-8C45-F94AF44D5AF0}"/>
+              </a:ext>
+              <a:ext uri="{C183D7F6-B498-43B3-948B-1728B52AA6E4}">
+                <adec:decorative xmlns:adec="http://schemas.microsoft.com/office/drawing/2017/decorative" val="1"/>
+              </a:ext>
+            </a:extLst>
+          </p:cNvPr>
+          <p:cNvCxnSpPr>
+            <a:cxnSpLocks noGrp="1" noRot="1" noChangeAspect="1" noMove="1" noResize="1" noEditPoints="1" noAdjustHandles="1" noChangeArrowheads="1" noChangeShapeType="1"/>
+          </p:cNvCxnSpPr>
+          <p:nvPr>
+            <p:extLst>
+              <p:ext uri="{386F3935-93C4-4BCD-93E2-E3B085C9AB24}">
+                <p16:designElem xmlns:p16="http://schemas.microsoft.com/office/powerpoint/2015/main" val="1"/>
+              </p:ext>
+            </p:extLst>
+          </p:nvPr>
+        </p:nvCxnSpPr>
+        <p:spPr>
+          <a:xfrm>
+            <a:off x="723686" y="2353592"/>
+            <a:ext cx="3291840" cy="0"/>
+          </a:xfrm>
+          <a:prstGeom prst="line">
+            <a:avLst/>
+          </a:prstGeom>
+          <a:ln w="19050">
+            <a:solidFill>
+              <a:schemeClr val="accent1"/>
+            </a:solidFill>
+          </a:ln>
+        </p:spPr>
+        <p:style>
+          <a:lnRef idx="1">
+            <a:schemeClr val="accent1"/>
+          </a:lnRef>
+          <a:fillRef idx="0">
+            <a:schemeClr val="accent1"/>
+          </a:fillRef>
+          <a:effectRef idx="0">
+            <a:schemeClr val="accent1"/>
+          </a:effectRef>
+          <a:fontRef idx="minor">
+            <a:schemeClr val="tx1"/>
+          </a:fontRef>
+        </p:style>
+      </p:cxnSp>
+      <p:sp>
+        <p:nvSpPr>
+          <p:cNvPr id="3" name="Content Placeholder 2">
+            <a:extLst>
+              <a:ext uri="{FF2B5EF4-FFF2-40B4-BE49-F238E27FC236}">
+                <a16:creationId xmlns:a16="http://schemas.microsoft.com/office/drawing/2014/main" id="{990436F6-00D0-162A-0C0C-251F0E0BF27E}"/>
+              </a:ext>
+            </a:extLst>
+          </p:cNvPr>
+          <p:cNvSpPr>
+            <a:spLocks noGrp="1"/>
+          </p:cNvSpPr>
+          <p:nvPr>
+            <p:ph idx="1"/>
+          </p:nvPr>
+        </p:nvSpPr>
+        <p:spPr>
+          <a:xfrm>
+            <a:off x="643467" y="2546224"/>
+            <a:ext cx="3448259" cy="3342747"/>
+          </a:xfrm>
+        </p:spPr>
+        <p:txBody>
+          <a:bodyPr>
+            <a:normAutofit/>
+          </a:bodyPr>
+          <a:lstStyle/>
+          <a:p>
+            <a:r>
+              <a:rPr lang="en-US" sz="1800" b="1" i="0">
+                <a:solidFill>
+                  <a:srgbClr val="FFFFFF"/>
+                </a:solidFill>
+                <a:effectLst/>
+                <a:latin typeface="-apple-system"/>
+              </a:rPr>
+              <a:t>The way forward is to focus on the Drama genre in order to reach the most views possible because they are the most rated per view.</a:t>
+            </a:r>
+          </a:p>
+        </p:txBody>
+      </p:sp>
+      <p:pic>
+        <p:nvPicPr>
+          <p:cNvPr id="12" name="Picture 11" descr="A ladder in the desert">
+            <a:extLst>
+              <a:ext uri="{FF2B5EF4-FFF2-40B4-BE49-F238E27FC236}">
+                <a16:creationId xmlns:a16="http://schemas.microsoft.com/office/drawing/2014/main" id="{D589D651-FA5F-8328-36D3-FFCE4F5689CA}"/>
+              </a:ext>
+            </a:extLst>
+          </p:cNvPr>
+          <p:cNvPicPr>
+            <a:picLocks noChangeAspect="1"/>
+          </p:cNvPicPr>
+          <p:nvPr/>
+        </p:nvPicPr>
+        <p:blipFill rotWithShape="1">
+          <a:blip r:embed="rId2"/>
+          <a:srcRect l="19698" r="6935" b="-1"/>
+          <a:stretch/>
+        </p:blipFill>
+        <p:spPr>
+          <a:xfrm>
+            <a:off x="4654296" y="10"/>
+            <a:ext cx="7537703" cy="6857990"/>
+          </a:xfrm>
+          <a:prstGeom prst="rect">
+            <a:avLst/>
+          </a:prstGeom>
+        </p:spPr>
+      </p:pic>
+    </p:spTree>
+    <p:extLst>
+      <p:ext uri="{BB962C8B-B14F-4D97-AF65-F5344CB8AC3E}">
+        <p14:creationId xmlns:p14="http://schemas.microsoft.com/office/powerpoint/2010/main" val="3757429399"/>
+      </p:ext>
+    </p:extLst>
+  </p:cSld>
+  <p:clrMapOvr>
+    <a:overrideClrMapping bg1="dk1" tx1="lt1" bg2="dk2" tx2="lt2" accent1="accent1" accent2="accent2" accent3="accent3" accent4="accent4" accent5="accent5" accent6="accent6" hlink="hlink" folHlink="folHlink"/>
+  </p:clrMapOvr>
+</p:sld>
+</file>
+
+<file path=ppt/slides/slide9.xml><?xml version="1.0" encoding="utf-8"?>
+<p:sld xmlns:a="http://schemas.openxmlformats.org/drawingml/2006/main" xmlns:r="http://schemas.openxmlformats.org/officeDocument/2006/relationships" xmlns:p="http://schemas.openxmlformats.org/presentationml/2006/main">
+  <p:cSld>
+    <p:bg>
+      <p:bgPr>
+        <a:solidFill>
+          <a:schemeClr val="bg1"/>
+        </a:solidFill>
+        <a:effectLst/>
+      </p:bgPr>
+    </p:bg>
+    <p:spTree>
+      <p:nvGrpSpPr>
+        <p:cNvPr id="1" name=""/>
+        <p:cNvGrpSpPr/>
+        <p:nvPr/>
+      </p:nvGrpSpPr>
+      <p:grpSpPr>
+        <a:xfrm>
+          <a:off x="0" y="0"/>
+          <a:ext cx="0" cy="0"/>
+          <a:chOff x="0" y="0"/>
+          <a:chExt cx="0" cy="0"/>
+        </a:xfrm>
+      </p:grpSpPr>
+      <p:sp>
+        <p:nvSpPr>
+          <p:cNvPr id="19" name="Rectangle 18">
+            <a:extLst>
+              <a:ext uri="{FF2B5EF4-FFF2-40B4-BE49-F238E27FC236}">
+                <a16:creationId xmlns:a16="http://schemas.microsoft.com/office/drawing/2014/main" id="{E844E128-FF69-4E9F-8327-6B504B3C5AE1}"/>
+              </a:ext>
+              <a:ext uri="{C183D7F6-B498-43B3-948B-1728B52AA6E4}">
+                <adec:decorative xmlns:adec="http://schemas.microsoft.com/office/drawing/2017/decorative" val="1"/>
+              </a:ext>
+            </a:extLst>
+          </p:cNvPr>
+          <p:cNvSpPr>
+            <a:spLocks noGrp="1" noRot="1" noChangeAspect="1" noMove="1" noResize="1" noEditPoints="1" noAdjustHandles="1" noChangeArrowheads="1" noChangeShapeType="1" noTextEdit="1"/>
+          </p:cNvSpPr>
+          <p:nvPr>
+            <p:extLst>
+              <p:ext uri="{386F3935-93C4-4BCD-93E2-E3B085C9AB24}">
+                <p16:designElem xmlns:p16="http://schemas.microsoft.com/office/powerpoint/2015/main" val="1"/>
+              </p:ext>
+            </p:extLst>
+          </p:nvPr>
+        </p:nvSpPr>
+        <p:spPr bwMode="white">
+          <a:xfrm>
+            <a:off x="15" y="0"/>
+            <a:ext cx="12191985" cy="6858000"/>
+          </a:xfrm>
+          <a:prstGeom prst="rect">
+            <a:avLst/>
+          </a:prstGeom>
+          <a:solidFill>
+            <a:srgbClr val="262626"/>
+          </a:solidFill>
+          <a:ln>
+            <a:noFill/>
+          </a:ln>
+        </p:spPr>
+        <p:style>
+          <a:lnRef idx="2">
+            <a:schemeClr val="accent1">
+              <a:shade val="50000"/>
+            </a:schemeClr>
+          </a:lnRef>
+          <a:fillRef idx="1">
+            <a:schemeClr val="accent1"/>
+          </a:fillRef>
+          <a:effectRef idx="0">
+            <a:schemeClr val="accent1"/>
+          </a:effectRef>
+          <a:fontRef idx="minor">
+            <a:schemeClr val="lt1"/>
+          </a:fontRef>
+        </p:style>
+      </p:sp>
+      <p:sp>
+        <p:nvSpPr>
+          <p:cNvPr id="2" name="Title 1">
+            <a:extLst>
+              <a:ext uri="{FF2B5EF4-FFF2-40B4-BE49-F238E27FC236}">
+                <a16:creationId xmlns:a16="http://schemas.microsoft.com/office/drawing/2014/main" id="{AAB0A70D-28C2-40A8-5BCF-276B58A8883F}"/>
+              </a:ext>
+            </a:extLst>
+          </p:cNvPr>
+          <p:cNvSpPr>
+            <a:spLocks noGrp="1"/>
+          </p:cNvSpPr>
+          <p:nvPr>
+            <p:ph type="title"/>
+          </p:nvPr>
+        </p:nvSpPr>
+        <p:spPr>
+          <a:xfrm>
+            <a:off x="1097280" y="516835"/>
+            <a:ext cx="5977937" cy="1666501"/>
+          </a:xfrm>
+        </p:spPr>
+        <p:txBody>
+          <a:bodyPr>
+            <a:normAutofit/>
+          </a:bodyPr>
+          <a:lstStyle/>
+          <a:p>
+            <a:r>
+              <a:rPr lang="en-US" sz="4000" dirty="0">
+                <a:solidFill>
+                  <a:srgbClr val="FFFFFF"/>
+                </a:solidFill>
+              </a:rPr>
+              <a:t>Development Process</a:t>
+            </a:r>
+          </a:p>
+        </p:txBody>
+      </p:sp>
+      <p:cxnSp>
+        <p:nvCxnSpPr>
+          <p:cNvPr id="21" name="Straight Connector 20">
+            <a:extLst>
+              <a:ext uri="{FF2B5EF4-FFF2-40B4-BE49-F238E27FC236}">
+                <a16:creationId xmlns:a16="http://schemas.microsoft.com/office/drawing/2014/main" id="{055CEADF-09EA-423C-8C45-F94AF44D5AF0}"/>
+              </a:ext>
+              <a:ext uri="{C183D7F6-B498-43B3-948B-1728B52AA6E4}">
+                <adec:decorative xmlns:adec="http://schemas.microsoft.com/office/drawing/2017/decorative" val="1"/>
+              </a:ext>
+            </a:extLst>
+          </p:cNvPr>
+          <p:cNvCxnSpPr>
+            <a:cxnSpLocks noGrp="1" noRot="1" noChangeAspect="1" noMove="1" noResize="1" noEditPoints="1" noAdjustHandles="1" noChangeArrowheads="1" noChangeShapeType="1"/>
+          </p:cNvCxnSpPr>
+          <p:nvPr>
+            <p:extLst>
+              <p:ext uri="{386F3935-93C4-4BCD-93E2-E3B085C9AB24}">
+                <p16:designElem xmlns:p16="http://schemas.microsoft.com/office/powerpoint/2015/main" val="1"/>
+              </p:ext>
+            </p:extLst>
+          </p:nvPr>
+        </p:nvCxnSpPr>
+        <p:spPr>
+          <a:xfrm>
+            <a:off x="1215896" y="2353592"/>
+            <a:ext cx="5303520" cy="0"/>
+          </a:xfrm>
+          <a:prstGeom prst="line">
+            <a:avLst/>
+          </a:prstGeom>
+          <a:ln w="19050">
+            <a:solidFill>
+              <a:schemeClr val="accent1"/>
+            </a:solidFill>
+          </a:ln>
+        </p:spPr>
+        <p:style>
+          <a:lnRef idx="1">
+            <a:schemeClr val="accent1"/>
+          </a:lnRef>
+          <a:fillRef idx="0">
+            <a:schemeClr val="accent1"/>
+          </a:fillRef>
+          <a:effectRef idx="0">
+            <a:schemeClr val="accent1"/>
+          </a:effectRef>
+          <a:fontRef idx="minor">
+            <a:schemeClr val="tx1"/>
+          </a:fontRef>
+        </p:style>
+      </p:cxnSp>
+      <p:sp>
+        <p:nvSpPr>
+          <p:cNvPr id="3" name="Content Placeholder 2">
+            <a:extLst>
+              <a:ext uri="{FF2B5EF4-FFF2-40B4-BE49-F238E27FC236}">
+                <a16:creationId xmlns:a16="http://schemas.microsoft.com/office/drawing/2014/main" id="{D2744E1B-05AC-503D-6DCC-0D9B2ACEDB5F}"/>
+              </a:ext>
+            </a:extLst>
+          </p:cNvPr>
+          <p:cNvSpPr>
+            <a:spLocks noGrp="1"/>
+          </p:cNvSpPr>
+          <p:nvPr>
+            <p:ph idx="1"/>
+          </p:nvPr>
+        </p:nvSpPr>
+        <p:spPr>
+          <a:xfrm>
+            <a:off x="270747" y="2534538"/>
+            <a:ext cx="5977938" cy="3342747"/>
+          </a:xfrm>
+        </p:spPr>
+        <p:txBody>
+          <a:bodyPr>
+            <a:normAutofit/>
+          </a:bodyPr>
+          <a:lstStyle/>
+          <a:p>
+            <a:r>
+              <a:rPr lang="en-US" sz="2400" b="1" i="0" dirty="0">
+                <a:solidFill>
+                  <a:srgbClr val="FFFFFF"/>
+                </a:solidFill>
+                <a:effectLst/>
+                <a:latin typeface="-apple-system"/>
+              </a:rPr>
+              <a:t>Q3: Do higher order actors affect move likeability?</a:t>
+            </a:r>
+          </a:p>
+          <a:p>
+            <a:r>
+              <a:rPr lang="en-US" sz="1800" b="0" i="0" dirty="0">
+                <a:solidFill>
+                  <a:srgbClr val="C9D1D9"/>
+                </a:solidFill>
+                <a:effectLst/>
+                <a:latin typeface="-apple-system"/>
+              </a:rPr>
+              <a:t>it is visible that the movies that had more high order characters in them had more votes and therefore, more views. The thought process is that when there are more familiar characters in a movie, then, the audience is more likely to watch them</a:t>
+            </a:r>
+            <a:endParaRPr lang="en-US" sz="1800" b="1" i="0" dirty="0">
+              <a:solidFill>
+                <a:srgbClr val="FFFFFF"/>
+              </a:solidFill>
+              <a:effectLst/>
+              <a:latin typeface="-apple-system"/>
+            </a:endParaRPr>
+          </a:p>
+        </p:txBody>
+      </p:sp>
+      <p:pic>
+        <p:nvPicPr>
+          <p:cNvPr id="6" name="Picture 5">
+            <a:extLst>
+              <a:ext uri="{FF2B5EF4-FFF2-40B4-BE49-F238E27FC236}">
+                <a16:creationId xmlns:a16="http://schemas.microsoft.com/office/drawing/2014/main" id="{875B4BC3-6C52-B62F-4A3C-582E5BE9FEB3}"/>
+              </a:ext>
+            </a:extLst>
+          </p:cNvPr>
+          <p:cNvPicPr>
+            <a:picLocks noChangeAspect="1"/>
+          </p:cNvPicPr>
+          <p:nvPr/>
+        </p:nvPicPr>
+        <p:blipFill>
+          <a:blip r:embed="rId2">
+            <a:extLst>
+              <a:ext uri="{28A0092B-C50C-407E-A947-70E740481C1C}">
+                <a14:useLocalDpi xmlns:a14="http://schemas.microsoft.com/office/drawing/2010/main" val="0"/>
+              </a:ext>
+            </a:extLst>
+          </a:blip>
+          <a:stretch>
+            <a:fillRect/>
+          </a:stretch>
+        </p:blipFill>
+        <p:spPr>
+          <a:xfrm>
+            <a:off x="6519416" y="1492373"/>
+            <a:ext cx="5608299" cy="4736114"/>
+          </a:xfrm>
+          <a:prstGeom prst="rect">
+            <a:avLst/>
+          </a:prstGeom>
+        </p:spPr>
+      </p:pic>
+    </p:spTree>
+    <p:extLst>
+      <p:ext uri="{BB962C8B-B14F-4D97-AF65-F5344CB8AC3E}">
+        <p14:creationId xmlns:p14="http://schemas.microsoft.com/office/powerpoint/2010/main" val="212657202"/>
+      </p:ext>
+    </p:extLst>
+  </p:cSld>
+  <p:clrMapOvr>
+    <a:overrideClrMapping bg1="dk1" tx1="lt1" bg2="dk2" tx2="lt2" accent1="accent1" accent2="accent2" accent3="accent3" accent4="accent4" accent5="accent5" accent6="accent6" hlink="hlink" folHlink="folHlink"/>
   </p:clrMapOvr>
 </p:sld>
 </file>
